--- a/instacart basket analysis.pptx
+++ b/instacart basket analysis.pptx
@@ -4,6 +4,9 @@
   <p:sldMasterIdLst>
     <p:sldMasterId id="2147483678" r:id="rId1"/>
   </p:sldMasterIdLst>
+  <p:notesMasterIdLst>
+    <p:notesMasterId r:id="rId18"/>
+  </p:notesMasterIdLst>
   <p:sldIdLst>
     <p:sldId id="256" r:id="rId2"/>
     <p:sldId id="257" r:id="rId3"/>
@@ -11,13 +14,16 @@
     <p:sldId id="258" r:id="rId5"/>
     <p:sldId id="259" r:id="rId6"/>
     <p:sldId id="260" r:id="rId7"/>
-    <p:sldId id="262" r:id="rId8"/>
-    <p:sldId id="263" r:id="rId9"/>
-    <p:sldId id="264" r:id="rId10"/>
-    <p:sldId id="265" r:id="rId11"/>
-    <p:sldId id="266" r:id="rId12"/>
-    <p:sldId id="267" r:id="rId13"/>
-    <p:sldId id="268" r:id="rId14"/>
+    <p:sldId id="263" r:id="rId8"/>
+    <p:sldId id="264" r:id="rId9"/>
+    <p:sldId id="265" r:id="rId10"/>
+    <p:sldId id="266" r:id="rId11"/>
+    <p:sldId id="267" r:id="rId12"/>
+    <p:sldId id="270" r:id="rId13"/>
+    <p:sldId id="271" r:id="rId14"/>
+    <p:sldId id="268" r:id="rId15"/>
+    <p:sldId id="272" r:id="rId16"/>
+    <p:sldId id="273" r:id="rId17"/>
   </p:sldIdLst>
   <p:sldSz cx="12192000" cy="6858000"/>
   <p:notesSz cx="6858000" cy="9144000"/>
@@ -122,6 +128,439 @@
     </p:ext>
   </p:extLst>
 </p:presentation>
+</file>
+
+<file path=ppt/notesMasters/notesMaster1.xml><?xml version="1.0" encoding="utf-8"?>
+<p:notesMaster xmlns:a="http://schemas.openxmlformats.org/drawingml/2006/main" xmlns:r="http://schemas.openxmlformats.org/officeDocument/2006/relationships" xmlns:p="http://schemas.openxmlformats.org/presentationml/2006/main">
+  <p:cSld>
+    <p:bg>
+      <p:bgRef idx="1001">
+        <a:schemeClr val="bg1"/>
+      </p:bgRef>
+    </p:bg>
+    <p:spTree>
+      <p:nvGrpSpPr>
+        <p:cNvPr id="1" name=""/>
+        <p:cNvGrpSpPr/>
+        <p:nvPr/>
+      </p:nvGrpSpPr>
+      <p:grpSpPr>
+        <a:xfrm>
+          <a:off x="0" y="0"/>
+          <a:ext cx="0" cy="0"/>
+          <a:chOff x="0" y="0"/>
+          <a:chExt cx="0" cy="0"/>
+        </a:xfrm>
+      </p:grpSpPr>
+      <p:sp>
+        <p:nvSpPr>
+          <p:cNvPr id="2" name="Header Placeholder 1"/>
+          <p:cNvSpPr>
+            <a:spLocks noGrp="1"/>
+          </p:cNvSpPr>
+          <p:nvPr>
+            <p:ph type="hdr" sz="quarter"/>
+          </p:nvPr>
+        </p:nvSpPr>
+        <p:spPr>
+          <a:xfrm>
+            <a:off x="0" y="0"/>
+            <a:ext cx="2971800" cy="458788"/>
+          </a:xfrm>
+          <a:prstGeom prst="rect">
+            <a:avLst/>
+          </a:prstGeom>
+        </p:spPr>
+        <p:txBody>
+          <a:bodyPr vert="horz" lIns="91440" tIns="45720" rIns="91440" bIns="45720" rtlCol="0"/>
+          <a:lstStyle>
+            <a:lvl1pPr algn="l">
+              <a:defRPr sz="1200"/>
+            </a:lvl1pPr>
+          </a:lstStyle>
+          <a:p>
+            <a:endParaRPr lang="en-US"/>
+          </a:p>
+        </p:txBody>
+      </p:sp>
+      <p:sp>
+        <p:nvSpPr>
+          <p:cNvPr id="3" name="Date Placeholder 2"/>
+          <p:cNvSpPr>
+            <a:spLocks noGrp="1"/>
+          </p:cNvSpPr>
+          <p:nvPr>
+            <p:ph type="dt" idx="1"/>
+          </p:nvPr>
+        </p:nvSpPr>
+        <p:spPr>
+          <a:xfrm>
+            <a:off x="3884613" y="0"/>
+            <a:ext cx="2971800" cy="458788"/>
+          </a:xfrm>
+          <a:prstGeom prst="rect">
+            <a:avLst/>
+          </a:prstGeom>
+        </p:spPr>
+        <p:txBody>
+          <a:bodyPr vert="horz" lIns="91440" tIns="45720" rIns="91440" bIns="45720" rtlCol="0"/>
+          <a:lstStyle>
+            <a:lvl1pPr algn="r">
+              <a:defRPr sz="1200"/>
+            </a:lvl1pPr>
+          </a:lstStyle>
+          <a:p>
+            <a:fld id="{6E17C604-08FE-A44B-815E-F1EDE2BC3A8D}" type="datetimeFigureOut">
+              <a:rPr lang="en-US" smtClean="0"/>
+              <a:t>4/17/24</a:t>
+            </a:fld>
+            <a:endParaRPr lang="en-US"/>
+          </a:p>
+        </p:txBody>
+      </p:sp>
+      <p:sp>
+        <p:nvSpPr>
+          <p:cNvPr id="4" name="Slide Image Placeholder 3"/>
+          <p:cNvSpPr>
+            <a:spLocks noGrp="1" noRot="1" noChangeAspect="1"/>
+          </p:cNvSpPr>
+          <p:nvPr>
+            <p:ph type="sldImg" idx="2"/>
+          </p:nvPr>
+        </p:nvSpPr>
+        <p:spPr>
+          <a:xfrm>
+            <a:off x="685800" y="1143000"/>
+            <a:ext cx="5486400" cy="3086100"/>
+          </a:xfrm>
+          <a:prstGeom prst="rect">
+            <a:avLst/>
+          </a:prstGeom>
+          <a:noFill/>
+          <a:ln w="12700">
+            <a:solidFill>
+              <a:prstClr val="black"/>
+            </a:solidFill>
+          </a:ln>
+        </p:spPr>
+        <p:txBody>
+          <a:bodyPr vert="horz" lIns="91440" tIns="45720" rIns="91440" bIns="45720" rtlCol="0" anchor="ctr"/>
+          <a:lstStyle/>
+          <a:p>
+            <a:endParaRPr lang="en-US"/>
+          </a:p>
+        </p:txBody>
+      </p:sp>
+      <p:sp>
+        <p:nvSpPr>
+          <p:cNvPr id="5" name="Notes Placeholder 4"/>
+          <p:cNvSpPr>
+            <a:spLocks noGrp="1"/>
+          </p:cNvSpPr>
+          <p:nvPr>
+            <p:ph type="body" sz="quarter" idx="3"/>
+          </p:nvPr>
+        </p:nvSpPr>
+        <p:spPr>
+          <a:xfrm>
+            <a:off x="685800" y="4400550"/>
+            <a:ext cx="5486400" cy="3600450"/>
+          </a:xfrm>
+          <a:prstGeom prst="rect">
+            <a:avLst/>
+          </a:prstGeom>
+        </p:spPr>
+        <p:txBody>
+          <a:bodyPr vert="horz" lIns="91440" tIns="45720" rIns="91440" bIns="45720" rtlCol="0"/>
+          <a:lstStyle/>
+          <a:p>
+            <a:pPr lvl="0"/>
+            <a:r>
+              <a:rPr lang="en-US"/>
+              <a:t>Click to edit Master text styles</a:t>
+            </a:r>
+          </a:p>
+          <a:p>
+            <a:pPr lvl="1"/>
+            <a:r>
+              <a:rPr lang="en-US"/>
+              <a:t>Second level</a:t>
+            </a:r>
+          </a:p>
+          <a:p>
+            <a:pPr lvl="2"/>
+            <a:r>
+              <a:rPr lang="en-US"/>
+              <a:t>Third level</a:t>
+            </a:r>
+          </a:p>
+          <a:p>
+            <a:pPr lvl="3"/>
+            <a:r>
+              <a:rPr lang="en-US"/>
+              <a:t>Fourth level</a:t>
+            </a:r>
+          </a:p>
+          <a:p>
+            <a:pPr lvl="4"/>
+            <a:r>
+              <a:rPr lang="en-US"/>
+              <a:t>Fifth level</a:t>
+            </a:r>
+          </a:p>
+        </p:txBody>
+      </p:sp>
+      <p:sp>
+        <p:nvSpPr>
+          <p:cNvPr id="6" name="Footer Placeholder 5"/>
+          <p:cNvSpPr>
+            <a:spLocks noGrp="1"/>
+          </p:cNvSpPr>
+          <p:nvPr>
+            <p:ph type="ftr" sz="quarter" idx="4"/>
+          </p:nvPr>
+        </p:nvSpPr>
+        <p:spPr>
+          <a:xfrm>
+            <a:off x="0" y="8685213"/>
+            <a:ext cx="2971800" cy="458787"/>
+          </a:xfrm>
+          <a:prstGeom prst="rect">
+            <a:avLst/>
+          </a:prstGeom>
+        </p:spPr>
+        <p:txBody>
+          <a:bodyPr vert="horz" lIns="91440" tIns="45720" rIns="91440" bIns="45720" rtlCol="0" anchor="b"/>
+          <a:lstStyle>
+            <a:lvl1pPr algn="l">
+              <a:defRPr sz="1200"/>
+            </a:lvl1pPr>
+          </a:lstStyle>
+          <a:p>
+            <a:endParaRPr lang="en-US"/>
+          </a:p>
+        </p:txBody>
+      </p:sp>
+      <p:sp>
+        <p:nvSpPr>
+          <p:cNvPr id="7" name="Slide Number Placeholder 6"/>
+          <p:cNvSpPr>
+            <a:spLocks noGrp="1"/>
+          </p:cNvSpPr>
+          <p:nvPr>
+            <p:ph type="sldNum" sz="quarter" idx="5"/>
+          </p:nvPr>
+        </p:nvSpPr>
+        <p:spPr>
+          <a:xfrm>
+            <a:off x="3884613" y="8685213"/>
+            <a:ext cx="2971800" cy="458787"/>
+          </a:xfrm>
+          <a:prstGeom prst="rect">
+            <a:avLst/>
+          </a:prstGeom>
+        </p:spPr>
+        <p:txBody>
+          <a:bodyPr vert="horz" lIns="91440" tIns="45720" rIns="91440" bIns="45720" rtlCol="0" anchor="b"/>
+          <a:lstStyle>
+            <a:lvl1pPr algn="r">
+              <a:defRPr sz="1200"/>
+            </a:lvl1pPr>
+          </a:lstStyle>
+          <a:p>
+            <a:fld id="{695E281C-33B8-8A46-953C-72A6628CAA95}" type="slidenum">
+              <a:rPr lang="en-US" smtClean="0"/>
+              <a:t>‹#›</a:t>
+            </a:fld>
+            <a:endParaRPr lang="en-US"/>
+          </a:p>
+        </p:txBody>
+      </p:sp>
+    </p:spTree>
+    <p:extLst>
+      <p:ext uri="{BB962C8B-B14F-4D97-AF65-F5344CB8AC3E}">
+        <p14:creationId xmlns:p14="http://schemas.microsoft.com/office/powerpoint/2010/main" val="3245371776"/>
+      </p:ext>
+    </p:extLst>
+  </p:cSld>
+  <p:clrMap bg1="lt1" tx1="dk1" bg2="lt2" tx2="dk2" accent1="accent1" accent2="accent2" accent3="accent3" accent4="accent4" accent5="accent5" accent6="accent6" hlink="hlink" folHlink="folHlink"/>
+  <p:notesStyle>
+    <a:lvl1pPr marL="0" algn="l" defTabSz="914400" rtl="0" eaLnBrk="1" latinLnBrk="0" hangingPunct="1">
+      <a:defRPr sz="1200" kern="1200">
+        <a:solidFill>
+          <a:schemeClr val="tx1"/>
+        </a:solidFill>
+        <a:latin typeface="+mn-lt"/>
+        <a:ea typeface="+mn-ea"/>
+        <a:cs typeface="+mn-cs"/>
+      </a:defRPr>
+    </a:lvl1pPr>
+    <a:lvl2pPr marL="457200" algn="l" defTabSz="914400" rtl="0" eaLnBrk="1" latinLnBrk="0" hangingPunct="1">
+      <a:defRPr sz="1200" kern="1200">
+        <a:solidFill>
+          <a:schemeClr val="tx1"/>
+        </a:solidFill>
+        <a:latin typeface="+mn-lt"/>
+        <a:ea typeface="+mn-ea"/>
+        <a:cs typeface="+mn-cs"/>
+      </a:defRPr>
+    </a:lvl2pPr>
+    <a:lvl3pPr marL="914400" algn="l" defTabSz="914400" rtl="0" eaLnBrk="1" latinLnBrk="0" hangingPunct="1">
+      <a:defRPr sz="1200" kern="1200">
+        <a:solidFill>
+          <a:schemeClr val="tx1"/>
+        </a:solidFill>
+        <a:latin typeface="+mn-lt"/>
+        <a:ea typeface="+mn-ea"/>
+        <a:cs typeface="+mn-cs"/>
+      </a:defRPr>
+    </a:lvl3pPr>
+    <a:lvl4pPr marL="1371600" algn="l" defTabSz="914400" rtl="0" eaLnBrk="1" latinLnBrk="0" hangingPunct="1">
+      <a:defRPr sz="1200" kern="1200">
+        <a:solidFill>
+          <a:schemeClr val="tx1"/>
+        </a:solidFill>
+        <a:latin typeface="+mn-lt"/>
+        <a:ea typeface="+mn-ea"/>
+        <a:cs typeface="+mn-cs"/>
+      </a:defRPr>
+    </a:lvl4pPr>
+    <a:lvl5pPr marL="1828800" algn="l" defTabSz="914400" rtl="0" eaLnBrk="1" latinLnBrk="0" hangingPunct="1">
+      <a:defRPr sz="1200" kern="1200">
+        <a:solidFill>
+          <a:schemeClr val="tx1"/>
+        </a:solidFill>
+        <a:latin typeface="+mn-lt"/>
+        <a:ea typeface="+mn-ea"/>
+        <a:cs typeface="+mn-cs"/>
+      </a:defRPr>
+    </a:lvl5pPr>
+    <a:lvl6pPr marL="2286000" algn="l" defTabSz="914400" rtl="0" eaLnBrk="1" latinLnBrk="0" hangingPunct="1">
+      <a:defRPr sz="1200" kern="1200">
+        <a:solidFill>
+          <a:schemeClr val="tx1"/>
+        </a:solidFill>
+        <a:latin typeface="+mn-lt"/>
+        <a:ea typeface="+mn-ea"/>
+        <a:cs typeface="+mn-cs"/>
+      </a:defRPr>
+    </a:lvl6pPr>
+    <a:lvl7pPr marL="2743200" algn="l" defTabSz="914400" rtl="0" eaLnBrk="1" latinLnBrk="0" hangingPunct="1">
+      <a:defRPr sz="1200" kern="1200">
+        <a:solidFill>
+          <a:schemeClr val="tx1"/>
+        </a:solidFill>
+        <a:latin typeface="+mn-lt"/>
+        <a:ea typeface="+mn-ea"/>
+        <a:cs typeface="+mn-cs"/>
+      </a:defRPr>
+    </a:lvl7pPr>
+    <a:lvl8pPr marL="3200400" algn="l" defTabSz="914400" rtl="0" eaLnBrk="1" latinLnBrk="0" hangingPunct="1">
+      <a:defRPr sz="1200" kern="1200">
+        <a:solidFill>
+          <a:schemeClr val="tx1"/>
+        </a:solidFill>
+        <a:latin typeface="+mn-lt"/>
+        <a:ea typeface="+mn-ea"/>
+        <a:cs typeface="+mn-cs"/>
+      </a:defRPr>
+    </a:lvl8pPr>
+    <a:lvl9pPr marL="3657600" algn="l" defTabSz="914400" rtl="0" eaLnBrk="1" latinLnBrk="0" hangingPunct="1">
+      <a:defRPr sz="1200" kern="1200">
+        <a:solidFill>
+          <a:schemeClr val="tx1"/>
+        </a:solidFill>
+        <a:latin typeface="+mn-lt"/>
+        <a:ea typeface="+mn-ea"/>
+        <a:cs typeface="+mn-cs"/>
+      </a:defRPr>
+    </a:lvl9pPr>
+  </p:notesStyle>
+</p:notesMaster>
+</file>
+
+<file path=ppt/notesSlides/notesSlide1.xml><?xml version="1.0" encoding="utf-8"?>
+<p:notes xmlns:a="http://schemas.openxmlformats.org/drawingml/2006/main" xmlns:r="http://schemas.openxmlformats.org/officeDocument/2006/relationships" xmlns:p="http://schemas.openxmlformats.org/presentationml/2006/main">
+  <p:cSld>
+    <p:spTree>
+      <p:nvGrpSpPr>
+        <p:cNvPr id="1" name=""/>
+        <p:cNvGrpSpPr/>
+        <p:nvPr/>
+      </p:nvGrpSpPr>
+      <p:grpSpPr>
+        <a:xfrm>
+          <a:off x="0" y="0"/>
+          <a:ext cx="0" cy="0"/>
+          <a:chOff x="0" y="0"/>
+          <a:chExt cx="0" cy="0"/>
+        </a:xfrm>
+      </p:grpSpPr>
+      <p:sp>
+        <p:nvSpPr>
+          <p:cNvPr id="2" name="Slide Image Placeholder 1"/>
+          <p:cNvSpPr>
+            <a:spLocks noGrp="1" noRot="1" noChangeAspect="1"/>
+          </p:cNvSpPr>
+          <p:nvPr>
+            <p:ph type="sldImg"/>
+          </p:nvPr>
+        </p:nvSpPr>
+        <p:spPr/>
+      </p:sp>
+      <p:sp>
+        <p:nvSpPr>
+          <p:cNvPr id="3" name="Notes Placeholder 2"/>
+          <p:cNvSpPr>
+            <a:spLocks noGrp="1"/>
+          </p:cNvSpPr>
+          <p:nvPr>
+            <p:ph type="body" idx="1"/>
+          </p:nvPr>
+        </p:nvSpPr>
+        <p:spPr/>
+        <p:txBody>
+          <a:bodyPr/>
+          <a:lstStyle/>
+          <a:p>
+            <a:endParaRPr lang="en-US" dirty="0"/>
+          </a:p>
+        </p:txBody>
+      </p:sp>
+      <p:sp>
+        <p:nvSpPr>
+          <p:cNvPr id="4" name="Slide Number Placeholder 3"/>
+          <p:cNvSpPr>
+            <a:spLocks noGrp="1"/>
+          </p:cNvSpPr>
+          <p:nvPr>
+            <p:ph type="sldNum" sz="quarter" idx="5"/>
+          </p:nvPr>
+        </p:nvSpPr>
+        <p:spPr/>
+        <p:txBody>
+          <a:bodyPr/>
+          <a:lstStyle/>
+          <a:p>
+            <a:fld id="{695E281C-33B8-8A46-953C-72A6628CAA95}" type="slidenum">
+              <a:rPr lang="en-US" smtClean="0"/>
+              <a:t>1</a:t>
+            </a:fld>
+            <a:endParaRPr lang="en-US"/>
+          </a:p>
+        </p:txBody>
+      </p:sp>
+    </p:spTree>
+    <p:extLst>
+      <p:ext uri="{BB962C8B-B14F-4D97-AF65-F5344CB8AC3E}">
+        <p14:creationId xmlns:p14="http://schemas.microsoft.com/office/powerpoint/2010/main" val="3619405657"/>
+      </p:ext>
+    </p:extLst>
+  </p:cSld>
+  <p:clrMapOvr>
+    <a:masterClrMapping/>
+  </p:clrMapOvr>
+</p:notes>
 </file>
 
 <file path=ppt/slideLayouts/slideLayout1.xml><?xml version="1.0" encoding="utf-8"?>
@@ -7778,8 +8217,8 @@
         </p:nvSpPr>
         <p:spPr>
           <a:xfrm>
-            <a:off x="1524000" y="198999"/>
-            <a:ext cx="9144000" cy="2387600"/>
+            <a:off x="2035628" y="968829"/>
+            <a:ext cx="8556171" cy="855770"/>
           </a:xfrm>
         </p:spPr>
         <p:txBody>
@@ -7789,7 +8228,7 @@
           <a:lstStyle/>
           <a:p>
             <a:r>
-              <a:rPr lang="en-US" sz="3600" dirty="0"/>
+              <a:rPr lang="en-US" sz="3200" dirty="0"/>
               <a:t>Predicting Vegetarian User Purchase Behavior</a:t>
             </a:r>
           </a:p>
@@ -7822,13 +8261,9 @@
           <a:lstStyle/>
           <a:p>
             <a:r>
-              <a:rPr lang="en-US" b="0" i="0" dirty="0">
-                <a:effectLst/>
-                <a:latin typeface="Google Sans"/>
-              </a:rPr>
-              <a:t>A Market Basket Analysis Approach</a:t>
-            </a:r>
-            <a:endParaRPr lang="en-US" dirty="0"/>
+              <a:rPr lang="en-US" dirty="0"/>
+              <a:t>Musa Irshad</a:t>
+            </a:r>
           </a:p>
         </p:txBody>
       </p:sp>
@@ -7846,6 +8281,2254 @@
 </file>
 
 <file path=ppt/slides/slide10.xml><?xml version="1.0" encoding="utf-8"?>
+<p:sld xmlns:a="http://schemas.openxmlformats.org/drawingml/2006/main" xmlns:r="http://schemas.openxmlformats.org/officeDocument/2006/relationships" xmlns:p="http://schemas.openxmlformats.org/presentationml/2006/main">
+  <p:cSld>
+    <p:bg>
+      <p:bgPr>
+        <a:gradFill rotWithShape="1">
+          <a:gsLst>
+            <a:gs pos="0">
+              <a:schemeClr val="bg2">
+                <a:tint val="96000"/>
+                <a:shade val="100000"/>
+                <a:hueMod val="270000"/>
+                <a:satMod val="200000"/>
+                <a:lumMod val="128000"/>
+              </a:schemeClr>
+            </a:gs>
+            <a:gs pos="50000">
+              <a:schemeClr val="bg2">
+                <a:shade val="100000"/>
+                <a:hueMod val="100000"/>
+                <a:satMod val="110000"/>
+                <a:lumMod val="130000"/>
+              </a:schemeClr>
+            </a:gs>
+            <a:gs pos="100000">
+              <a:schemeClr val="bg2">
+                <a:shade val="78000"/>
+                <a:hueMod val="44000"/>
+                <a:satMod val="200000"/>
+                <a:lumMod val="69000"/>
+              </a:schemeClr>
+            </a:gs>
+          </a:gsLst>
+          <a:lin ang="2520000" scaled="0"/>
+        </a:gradFill>
+        <a:effectLst/>
+      </p:bgPr>
+    </p:bg>
+    <p:spTree>
+      <p:nvGrpSpPr>
+        <p:cNvPr id="1" name=""/>
+        <p:cNvGrpSpPr/>
+        <p:nvPr/>
+      </p:nvGrpSpPr>
+      <p:grpSpPr>
+        <a:xfrm>
+          <a:off x="0" y="0"/>
+          <a:ext cx="0" cy="0"/>
+          <a:chOff x="0" y="0"/>
+          <a:chExt cx="0" cy="0"/>
+        </a:xfrm>
+      </p:grpSpPr>
+      <p:sp>
+        <p:nvSpPr>
+          <p:cNvPr id="2" name="Title 1">
+            <a:extLst>
+              <a:ext uri="{FF2B5EF4-FFF2-40B4-BE49-F238E27FC236}">
+                <a16:creationId xmlns:a16="http://schemas.microsoft.com/office/drawing/2014/main" id="{A7B32107-B058-D173-AB0B-36CFBA945D18}"/>
+              </a:ext>
+            </a:extLst>
+          </p:cNvPr>
+          <p:cNvSpPr>
+            <a:spLocks noGrp="1"/>
+          </p:cNvSpPr>
+          <p:nvPr>
+            <p:ph type="title"/>
+          </p:nvPr>
+        </p:nvSpPr>
+        <p:spPr>
+          <a:xfrm>
+            <a:off x="680321" y="753228"/>
+            <a:ext cx="9613861" cy="1080938"/>
+          </a:xfrm>
+        </p:spPr>
+        <p:txBody>
+          <a:bodyPr>
+            <a:normAutofit/>
+          </a:bodyPr>
+          <a:lstStyle/>
+          <a:p>
+            <a:r>
+              <a:rPr lang="en-US" dirty="0"/>
+              <a:t>Model Results</a:t>
+            </a:r>
+          </a:p>
+        </p:txBody>
+      </p:sp>
+      <p:sp>
+        <p:nvSpPr>
+          <p:cNvPr id="13" name="Content Placeholder 12">
+            <a:extLst>
+              <a:ext uri="{FF2B5EF4-FFF2-40B4-BE49-F238E27FC236}">
+                <a16:creationId xmlns:a16="http://schemas.microsoft.com/office/drawing/2014/main" id="{AC487A9A-99FF-52A5-2E36-F2AA6A65CE3A}"/>
+              </a:ext>
+            </a:extLst>
+          </p:cNvPr>
+          <p:cNvSpPr>
+            <a:spLocks noGrp="1"/>
+          </p:cNvSpPr>
+          <p:nvPr>
+            <p:ph idx="1"/>
+          </p:nvPr>
+        </p:nvSpPr>
+        <p:spPr>
+          <a:xfrm>
+            <a:off x="680322" y="2336873"/>
+            <a:ext cx="3489341" cy="3599316"/>
+          </a:xfrm>
+        </p:spPr>
+        <p:txBody>
+          <a:bodyPr>
+            <a:normAutofit/>
+          </a:bodyPr>
+          <a:lstStyle/>
+          <a:p>
+            <a:pPr marL="0" indent="0">
+              <a:buNone/>
+            </a:pPr>
+            <a:r>
+              <a:rPr lang="en-US" sz="1800" dirty="0"/>
+              <a:t> </a:t>
+            </a:r>
+          </a:p>
+        </p:txBody>
+      </p:sp>
+      <p:pic>
+        <p:nvPicPr>
+          <p:cNvPr id="9" name="Content Placeholder 8">
+            <a:extLst>
+              <a:ext uri="{FF2B5EF4-FFF2-40B4-BE49-F238E27FC236}">
+                <a16:creationId xmlns:a16="http://schemas.microsoft.com/office/drawing/2014/main" id="{C31A71B7-E0E2-3151-98AD-0ED78AEFE18C}"/>
+              </a:ext>
+            </a:extLst>
+          </p:cNvPr>
+          <p:cNvPicPr>
+            <a:picLocks noChangeAspect="1"/>
+          </p:cNvPicPr>
+          <p:nvPr/>
+        </p:nvPicPr>
+        <p:blipFill>
+          <a:blip r:embed="rId2">
+            <a:extLst>
+              <a:ext uri="{28A0092B-C50C-407E-A947-70E740481C1C}">
+                <a14:useLocalDpi xmlns:a14="http://schemas.microsoft.com/office/drawing/2010/main" val="0"/>
+              </a:ext>
+            </a:extLst>
+          </a:blip>
+          <a:stretch>
+            <a:fillRect/>
+          </a:stretch>
+        </p:blipFill>
+        <p:spPr bwMode="auto">
+          <a:xfrm>
+            <a:off x="1262743" y="2336873"/>
+            <a:ext cx="8922581" cy="3965956"/>
+          </a:xfrm>
+          <a:prstGeom prst="rect">
+            <a:avLst/>
+          </a:prstGeom>
+          <a:noFill/>
+          <a:ln>
+            <a:noFill/>
+          </a:ln>
+          <a:effectLst>
+            <a:outerShdw blurRad="76200" dist="63500" dir="5040000" algn="tl" rotWithShape="0">
+              <a:srgbClr val="000000">
+                <a:alpha val="41000"/>
+              </a:srgbClr>
+            </a:outerShdw>
+          </a:effectLst>
+          <a:extLst>
+            <a:ext uri="{909E8E84-426E-40DD-AFC4-6F175D3DCCD1}">
+              <a14:hiddenFill xmlns:a14="http://schemas.microsoft.com/office/drawing/2010/main">
+                <a:solidFill>
+                  <a:srgbClr val="FFFFFF"/>
+                </a:solidFill>
+              </a14:hiddenFill>
+            </a:ext>
+          </a:extLst>
+        </p:spPr>
+      </p:pic>
+    </p:spTree>
+    <p:extLst>
+      <p:ext uri="{BB962C8B-B14F-4D97-AF65-F5344CB8AC3E}">
+        <p14:creationId xmlns:p14="http://schemas.microsoft.com/office/powerpoint/2010/main" val="2564888455"/>
+      </p:ext>
+    </p:extLst>
+  </p:cSld>
+  <p:clrMapOvr>
+    <a:masterClrMapping/>
+  </p:clrMapOvr>
+</p:sld>
+</file>
+
+<file path=ppt/slides/slide11.xml><?xml version="1.0" encoding="utf-8"?>
+<p:sld xmlns:a="http://schemas.openxmlformats.org/drawingml/2006/main" xmlns:r="http://schemas.openxmlformats.org/officeDocument/2006/relationships" xmlns:p="http://schemas.openxmlformats.org/presentationml/2006/main">
+  <p:cSld>
+    <p:spTree>
+      <p:nvGrpSpPr>
+        <p:cNvPr id="1" name=""/>
+        <p:cNvGrpSpPr/>
+        <p:nvPr/>
+      </p:nvGrpSpPr>
+      <p:grpSpPr>
+        <a:xfrm>
+          <a:off x="0" y="0"/>
+          <a:ext cx="0" cy="0"/>
+          <a:chOff x="0" y="0"/>
+          <a:chExt cx="0" cy="0"/>
+        </a:xfrm>
+      </p:grpSpPr>
+      <p:sp>
+        <p:nvSpPr>
+          <p:cNvPr id="2" name="Title 1">
+            <a:extLst>
+              <a:ext uri="{FF2B5EF4-FFF2-40B4-BE49-F238E27FC236}">
+                <a16:creationId xmlns:a16="http://schemas.microsoft.com/office/drawing/2014/main" id="{FCB28744-9B28-6DEE-DC89-89C10B49D405}"/>
+              </a:ext>
+            </a:extLst>
+          </p:cNvPr>
+          <p:cNvSpPr>
+            <a:spLocks noGrp="1"/>
+          </p:cNvSpPr>
+          <p:nvPr>
+            <p:ph type="title"/>
+          </p:nvPr>
+        </p:nvSpPr>
+        <p:spPr/>
+        <p:txBody>
+          <a:bodyPr/>
+          <a:lstStyle/>
+          <a:p>
+            <a:r>
+              <a:rPr lang="en-US" dirty="0"/>
+              <a:t>Hyperparameter Tuning</a:t>
+            </a:r>
+          </a:p>
+        </p:txBody>
+      </p:sp>
+      <p:sp>
+        <p:nvSpPr>
+          <p:cNvPr id="3" name="Content Placeholder 2">
+            <a:extLst>
+              <a:ext uri="{FF2B5EF4-FFF2-40B4-BE49-F238E27FC236}">
+                <a16:creationId xmlns:a16="http://schemas.microsoft.com/office/drawing/2014/main" id="{3FBA78AD-4602-189A-5CE0-D228ABC00410}"/>
+              </a:ext>
+            </a:extLst>
+          </p:cNvPr>
+          <p:cNvSpPr>
+            <a:spLocks noGrp="1"/>
+          </p:cNvSpPr>
+          <p:nvPr>
+            <p:ph idx="1"/>
+          </p:nvPr>
+        </p:nvSpPr>
+        <p:spPr/>
+        <p:txBody>
+          <a:bodyPr>
+            <a:normAutofit/>
+          </a:bodyPr>
+          <a:lstStyle/>
+          <a:p>
+            <a:r>
+              <a:rPr lang="en-US" sz="2000" b="0" i="0" dirty="0">
+                <a:solidFill>
+                  <a:schemeClr val="bg1"/>
+                </a:solidFill>
+                <a:effectLst/>
+                <a:latin typeface="Google Sans"/>
+              </a:rPr>
+              <a:t>XGBoost improved test accuracy (74% to 76%)</a:t>
+            </a:r>
+          </a:p>
+          <a:p>
+            <a:pPr marL="0" indent="0">
+              <a:buNone/>
+            </a:pPr>
+            <a:endParaRPr lang="en-US" sz="2000" b="0" i="0" dirty="0">
+              <a:solidFill>
+                <a:schemeClr val="bg1"/>
+              </a:solidFill>
+              <a:effectLst/>
+              <a:latin typeface="Google Sans"/>
+            </a:endParaRPr>
+          </a:p>
+          <a:p>
+            <a:pPr marL="0" indent="0">
+              <a:buNone/>
+            </a:pPr>
+            <a:endParaRPr lang="en-US" sz="1400" b="0" i="0" dirty="0">
+              <a:solidFill>
+                <a:schemeClr val="bg1"/>
+              </a:solidFill>
+              <a:effectLst/>
+              <a:latin typeface="Google Sans"/>
+            </a:endParaRPr>
+          </a:p>
+          <a:p>
+            <a:endParaRPr lang="en-US" sz="1400" b="0" i="0" dirty="0">
+              <a:solidFill>
+                <a:srgbClr val="1F1F1F"/>
+              </a:solidFill>
+              <a:effectLst/>
+              <a:highlight>
+                <a:srgbClr val="FFFFFF"/>
+              </a:highlight>
+              <a:latin typeface="Google Sans"/>
+            </a:endParaRPr>
+          </a:p>
+          <a:p>
+            <a:endParaRPr lang="en-US" sz="1400" b="0" i="0" dirty="0">
+              <a:solidFill>
+                <a:srgbClr val="1F1F1F"/>
+              </a:solidFill>
+              <a:effectLst/>
+              <a:highlight>
+                <a:srgbClr val="E9EEF6"/>
+              </a:highlight>
+              <a:latin typeface="Google Sans"/>
+            </a:endParaRPr>
+          </a:p>
+        </p:txBody>
+      </p:sp>
+      <p:pic>
+        <p:nvPicPr>
+          <p:cNvPr id="5" name="Picture 4">
+            <a:extLst>
+              <a:ext uri="{FF2B5EF4-FFF2-40B4-BE49-F238E27FC236}">
+                <a16:creationId xmlns:a16="http://schemas.microsoft.com/office/drawing/2014/main" id="{BE27769F-32D7-E30D-30C5-D132ACB5FE74}"/>
+              </a:ext>
+            </a:extLst>
+          </p:cNvPr>
+          <p:cNvPicPr>
+            <a:picLocks noChangeAspect="1"/>
+          </p:cNvPicPr>
+          <p:nvPr/>
+        </p:nvPicPr>
+        <p:blipFill>
+          <a:blip r:embed="rId2">
+            <a:extLst>
+              <a:ext uri="{28A0092B-C50C-407E-A947-70E740481C1C}">
+                <a14:useLocalDpi xmlns:a14="http://schemas.microsoft.com/office/drawing/2010/main" val="0"/>
+              </a:ext>
+            </a:extLst>
+          </a:blip>
+          <a:stretch>
+            <a:fillRect/>
+          </a:stretch>
+        </p:blipFill>
+        <p:spPr>
+          <a:xfrm>
+            <a:off x="5487251" y="2839581"/>
+            <a:ext cx="6149578" cy="3599315"/>
+          </a:xfrm>
+          <a:prstGeom prst="rect">
+            <a:avLst/>
+          </a:prstGeom>
+        </p:spPr>
+      </p:pic>
+    </p:spTree>
+    <p:extLst>
+      <p:ext uri="{BB962C8B-B14F-4D97-AF65-F5344CB8AC3E}">
+        <p14:creationId xmlns:p14="http://schemas.microsoft.com/office/powerpoint/2010/main" val="2262504068"/>
+      </p:ext>
+    </p:extLst>
+  </p:cSld>
+  <p:clrMapOvr>
+    <a:masterClrMapping/>
+  </p:clrMapOvr>
+</p:sld>
+</file>
+
+<file path=ppt/slides/slide12.xml><?xml version="1.0" encoding="utf-8"?>
+<p:sld xmlns:a="http://schemas.openxmlformats.org/drawingml/2006/main" xmlns:r="http://schemas.openxmlformats.org/officeDocument/2006/relationships" xmlns:p="http://schemas.openxmlformats.org/presentationml/2006/main">
+  <p:cSld>
+    <p:spTree>
+      <p:nvGrpSpPr>
+        <p:cNvPr id="1" name=""/>
+        <p:cNvGrpSpPr/>
+        <p:nvPr/>
+      </p:nvGrpSpPr>
+      <p:grpSpPr>
+        <a:xfrm>
+          <a:off x="0" y="0"/>
+          <a:ext cx="0" cy="0"/>
+          <a:chOff x="0" y="0"/>
+          <a:chExt cx="0" cy="0"/>
+        </a:xfrm>
+      </p:grpSpPr>
+      <p:sp>
+        <p:nvSpPr>
+          <p:cNvPr id="2" name="Title 1">
+            <a:extLst>
+              <a:ext uri="{FF2B5EF4-FFF2-40B4-BE49-F238E27FC236}">
+                <a16:creationId xmlns:a16="http://schemas.microsoft.com/office/drawing/2014/main" id="{871450FA-B2BF-6A3A-DFE5-59BB1EFAEB4A}"/>
+              </a:ext>
+            </a:extLst>
+          </p:cNvPr>
+          <p:cNvSpPr>
+            <a:spLocks noGrp="1"/>
+          </p:cNvSpPr>
+          <p:nvPr>
+            <p:ph type="title"/>
+          </p:nvPr>
+        </p:nvSpPr>
+        <p:spPr/>
+        <p:txBody>
+          <a:bodyPr/>
+          <a:lstStyle/>
+          <a:p>
+            <a:r>
+              <a:rPr lang="en-US" dirty="0"/>
+              <a:t>Hyperparameter Tuning(contd.)</a:t>
+            </a:r>
+          </a:p>
+        </p:txBody>
+      </p:sp>
+      <p:pic>
+        <p:nvPicPr>
+          <p:cNvPr id="5" name="Content Placeholder 4">
+            <a:extLst>
+              <a:ext uri="{FF2B5EF4-FFF2-40B4-BE49-F238E27FC236}">
+                <a16:creationId xmlns:a16="http://schemas.microsoft.com/office/drawing/2014/main" id="{4AE77D77-9A2B-1C44-E3C9-0F86D6CB6774}"/>
+              </a:ext>
+            </a:extLst>
+          </p:cNvPr>
+          <p:cNvPicPr>
+            <a:picLocks noGrp="1" noChangeAspect="1"/>
+          </p:cNvPicPr>
+          <p:nvPr>
+            <p:ph idx="1"/>
+          </p:nvPr>
+        </p:nvPicPr>
+        <p:blipFill>
+          <a:blip r:embed="rId2">
+            <a:extLst>
+              <a:ext uri="{28A0092B-C50C-407E-A947-70E740481C1C}">
+                <a14:useLocalDpi xmlns:a14="http://schemas.microsoft.com/office/drawing/2010/main" val="0"/>
+              </a:ext>
+            </a:extLst>
+          </a:blip>
+          <a:stretch>
+            <a:fillRect/>
+          </a:stretch>
+        </p:blipFill>
+        <p:spPr>
+          <a:xfrm>
+            <a:off x="4962209" y="2906094"/>
+            <a:ext cx="6302326" cy="3598863"/>
+          </a:xfrm>
+        </p:spPr>
+      </p:pic>
+      <p:sp>
+        <p:nvSpPr>
+          <p:cNvPr id="8" name="TextBox 7">
+            <a:extLst>
+              <a:ext uri="{FF2B5EF4-FFF2-40B4-BE49-F238E27FC236}">
+                <a16:creationId xmlns:a16="http://schemas.microsoft.com/office/drawing/2014/main" id="{95EF0B37-40B7-6919-2653-A7AA5AFD96B3}"/>
+              </a:ext>
+            </a:extLst>
+          </p:cNvPr>
+          <p:cNvSpPr txBox="1"/>
+          <p:nvPr/>
+        </p:nvSpPr>
+        <p:spPr>
+          <a:xfrm>
+            <a:off x="152400" y="2536762"/>
+            <a:ext cx="6096000" cy="369332"/>
+          </a:xfrm>
+          <a:prstGeom prst="rect">
+            <a:avLst/>
+          </a:prstGeom>
+          <a:noFill/>
+        </p:spPr>
+        <p:txBody>
+          <a:bodyPr wrap="square">
+            <a:spAutoFit/>
+          </a:bodyPr>
+          <a:lstStyle/>
+          <a:p>
+            <a:pPr marL="285750" indent="-285750">
+              <a:buFont typeface="Arial" panose="020B0604020202020204" pitchFamily="34" charset="0"/>
+              <a:buChar char="•"/>
+            </a:pPr>
+            <a:r>
+              <a:rPr lang="en-US" sz="1800" b="0" i="0" dirty="0">
+                <a:solidFill>
+                  <a:schemeClr val="bg1"/>
+                </a:solidFill>
+                <a:effectLst/>
+                <a:latin typeface="Google Sans"/>
+              </a:rPr>
+              <a:t>Naïve Bayes improved test accuracy (</a:t>
+            </a:r>
+            <a:r>
+              <a:rPr lang="en-US" sz="1800" dirty="0">
+                <a:solidFill>
+                  <a:schemeClr val="bg1"/>
+                </a:solidFill>
+                <a:latin typeface="Google Sans"/>
+              </a:rPr>
+              <a:t>58</a:t>
+            </a:r>
+            <a:r>
+              <a:rPr lang="en-US" sz="1800" b="0" i="0" dirty="0">
+                <a:solidFill>
+                  <a:schemeClr val="bg1"/>
+                </a:solidFill>
+                <a:effectLst/>
+                <a:latin typeface="Google Sans"/>
+              </a:rPr>
+              <a:t>% to 68%)</a:t>
+            </a:r>
+          </a:p>
+        </p:txBody>
+      </p:sp>
+    </p:spTree>
+    <p:extLst>
+      <p:ext uri="{BB962C8B-B14F-4D97-AF65-F5344CB8AC3E}">
+        <p14:creationId xmlns:p14="http://schemas.microsoft.com/office/powerpoint/2010/main" val="2499924345"/>
+      </p:ext>
+    </p:extLst>
+  </p:cSld>
+  <p:clrMapOvr>
+    <a:masterClrMapping/>
+  </p:clrMapOvr>
+</p:sld>
+</file>
+
+<file path=ppt/slides/slide13.xml><?xml version="1.0" encoding="utf-8"?>
+<p:sld xmlns:a="http://schemas.openxmlformats.org/drawingml/2006/main" xmlns:r="http://schemas.openxmlformats.org/officeDocument/2006/relationships" xmlns:p="http://schemas.openxmlformats.org/presentationml/2006/main">
+  <p:cSld>
+    <p:spTree>
+      <p:nvGrpSpPr>
+        <p:cNvPr id="1" name=""/>
+        <p:cNvGrpSpPr/>
+        <p:nvPr/>
+      </p:nvGrpSpPr>
+      <p:grpSpPr>
+        <a:xfrm>
+          <a:off x="0" y="0"/>
+          <a:ext cx="0" cy="0"/>
+          <a:chOff x="0" y="0"/>
+          <a:chExt cx="0" cy="0"/>
+        </a:xfrm>
+      </p:grpSpPr>
+      <p:sp>
+        <p:nvSpPr>
+          <p:cNvPr id="2" name="Title 1">
+            <a:extLst>
+              <a:ext uri="{FF2B5EF4-FFF2-40B4-BE49-F238E27FC236}">
+                <a16:creationId xmlns:a16="http://schemas.microsoft.com/office/drawing/2014/main" id="{35C26E86-0982-E1CC-5A39-9EEAA3CBBD8C}"/>
+              </a:ext>
+            </a:extLst>
+          </p:cNvPr>
+          <p:cNvSpPr>
+            <a:spLocks noGrp="1"/>
+          </p:cNvSpPr>
+          <p:nvPr>
+            <p:ph type="title"/>
+          </p:nvPr>
+        </p:nvSpPr>
+        <p:spPr/>
+        <p:txBody>
+          <a:bodyPr/>
+          <a:lstStyle/>
+          <a:p>
+            <a:r>
+              <a:rPr lang="en-US" dirty="0"/>
+              <a:t>Hyperparameter Tuning(contd.)</a:t>
+            </a:r>
+          </a:p>
+        </p:txBody>
+      </p:sp>
+      <p:pic>
+        <p:nvPicPr>
+          <p:cNvPr id="5" name="Content Placeholder 4">
+            <a:extLst>
+              <a:ext uri="{FF2B5EF4-FFF2-40B4-BE49-F238E27FC236}">
+                <a16:creationId xmlns:a16="http://schemas.microsoft.com/office/drawing/2014/main" id="{958C4C33-7307-E68C-AE81-4EABD42140CC}"/>
+              </a:ext>
+            </a:extLst>
+          </p:cNvPr>
+          <p:cNvPicPr>
+            <a:picLocks noGrp="1" noChangeAspect="1"/>
+          </p:cNvPicPr>
+          <p:nvPr>
+            <p:ph idx="1"/>
+          </p:nvPr>
+        </p:nvPicPr>
+        <p:blipFill>
+          <a:blip r:embed="rId2">
+            <a:extLst>
+              <a:ext uri="{28A0092B-C50C-407E-A947-70E740481C1C}">
+                <a14:useLocalDpi xmlns:a14="http://schemas.microsoft.com/office/drawing/2010/main" val="0"/>
+              </a:ext>
+            </a:extLst>
+          </a:blip>
+          <a:stretch>
+            <a:fillRect/>
+          </a:stretch>
+        </p:blipFill>
+        <p:spPr>
+          <a:xfrm>
+            <a:off x="5399314" y="2984082"/>
+            <a:ext cx="6215743" cy="3598863"/>
+          </a:xfrm>
+        </p:spPr>
+      </p:pic>
+      <p:sp>
+        <p:nvSpPr>
+          <p:cNvPr id="7" name="TextBox 6">
+            <a:extLst>
+              <a:ext uri="{FF2B5EF4-FFF2-40B4-BE49-F238E27FC236}">
+                <a16:creationId xmlns:a16="http://schemas.microsoft.com/office/drawing/2014/main" id="{3934531C-B75B-0454-D8D9-8593EE05D81A}"/>
+              </a:ext>
+            </a:extLst>
+          </p:cNvPr>
+          <p:cNvSpPr txBox="1"/>
+          <p:nvPr/>
+        </p:nvSpPr>
+        <p:spPr>
+          <a:xfrm>
+            <a:off x="0" y="2525877"/>
+            <a:ext cx="6096000" cy="369332"/>
+          </a:xfrm>
+          <a:prstGeom prst="rect">
+            <a:avLst/>
+          </a:prstGeom>
+          <a:noFill/>
+        </p:spPr>
+        <p:txBody>
+          <a:bodyPr wrap="square">
+            <a:spAutoFit/>
+          </a:bodyPr>
+          <a:lstStyle/>
+          <a:p>
+            <a:pPr marL="285750" indent="-285750">
+              <a:buFont typeface="Arial" panose="020B0604020202020204" pitchFamily="34" charset="0"/>
+              <a:buChar char="•"/>
+            </a:pPr>
+            <a:r>
+              <a:rPr lang="en-US" sz="1800" dirty="0">
+                <a:solidFill>
+                  <a:schemeClr val="bg1"/>
+                </a:solidFill>
+                <a:latin typeface="Google Sans"/>
+              </a:rPr>
+              <a:t>Logistic regression improved test accuracy (58% to 70%)</a:t>
+            </a:r>
+            <a:endParaRPr lang="en-US" dirty="0"/>
+          </a:p>
+        </p:txBody>
+      </p:sp>
+    </p:spTree>
+    <p:extLst>
+      <p:ext uri="{BB962C8B-B14F-4D97-AF65-F5344CB8AC3E}">
+        <p14:creationId xmlns:p14="http://schemas.microsoft.com/office/powerpoint/2010/main" val="3806765340"/>
+      </p:ext>
+    </p:extLst>
+  </p:cSld>
+  <p:clrMapOvr>
+    <a:masterClrMapping/>
+  </p:clrMapOvr>
+</p:sld>
+</file>
+
+<file path=ppt/slides/slide14.xml><?xml version="1.0" encoding="utf-8"?>
+<p:sld xmlns:a="http://schemas.openxmlformats.org/drawingml/2006/main" xmlns:r="http://schemas.openxmlformats.org/officeDocument/2006/relationships" xmlns:p="http://schemas.openxmlformats.org/presentationml/2006/main">
+  <p:cSld>
+    <p:spTree>
+      <p:nvGrpSpPr>
+        <p:cNvPr id="1" name=""/>
+        <p:cNvGrpSpPr/>
+        <p:nvPr/>
+      </p:nvGrpSpPr>
+      <p:grpSpPr>
+        <a:xfrm>
+          <a:off x="0" y="0"/>
+          <a:ext cx="0" cy="0"/>
+          <a:chOff x="0" y="0"/>
+          <a:chExt cx="0" cy="0"/>
+        </a:xfrm>
+      </p:grpSpPr>
+      <p:sp>
+        <p:nvSpPr>
+          <p:cNvPr id="2" name="Title 1">
+            <a:extLst>
+              <a:ext uri="{FF2B5EF4-FFF2-40B4-BE49-F238E27FC236}">
+                <a16:creationId xmlns:a16="http://schemas.microsoft.com/office/drawing/2014/main" id="{4972E896-2419-0E03-07A9-CA96DDCC29CE}"/>
+              </a:ext>
+            </a:extLst>
+          </p:cNvPr>
+          <p:cNvSpPr>
+            <a:spLocks noGrp="1"/>
+          </p:cNvSpPr>
+          <p:nvPr>
+            <p:ph type="title"/>
+          </p:nvPr>
+        </p:nvSpPr>
+        <p:spPr/>
+        <p:txBody>
+          <a:bodyPr/>
+          <a:lstStyle/>
+          <a:p>
+            <a:r>
+              <a:rPr lang="en-US" dirty="0"/>
+              <a:t>Conclusion</a:t>
+            </a:r>
+          </a:p>
+        </p:txBody>
+      </p:sp>
+      <p:sp>
+        <p:nvSpPr>
+          <p:cNvPr id="3" name="Content Placeholder 2">
+            <a:extLst>
+              <a:ext uri="{FF2B5EF4-FFF2-40B4-BE49-F238E27FC236}">
+                <a16:creationId xmlns:a16="http://schemas.microsoft.com/office/drawing/2014/main" id="{3F9E0E2F-9DF3-4774-AA0C-5CB04CAA3D3E}"/>
+              </a:ext>
+            </a:extLst>
+          </p:cNvPr>
+          <p:cNvSpPr>
+            <a:spLocks noGrp="1"/>
+          </p:cNvSpPr>
+          <p:nvPr>
+            <p:ph idx="1"/>
+          </p:nvPr>
+        </p:nvSpPr>
+        <p:spPr/>
+        <p:txBody>
+          <a:bodyPr>
+            <a:normAutofit/>
+          </a:bodyPr>
+          <a:lstStyle/>
+          <a:p>
+            <a:r>
+              <a:rPr lang="en-US" sz="1600" b="0" i="0" dirty="0">
+                <a:solidFill>
+                  <a:schemeClr val="bg1"/>
+                </a:solidFill>
+                <a:effectLst/>
+                <a:latin typeface="Google Sans"/>
+              </a:rPr>
+              <a:t>Aimed to classify vegetarian users' first-time orders versus re-orders using different ML techniques.</a:t>
+            </a:r>
+          </a:p>
+          <a:p>
+            <a:r>
+              <a:rPr lang="en-US" sz="1600" b="0" i="0" dirty="0">
+                <a:solidFill>
+                  <a:schemeClr val="bg1"/>
+                </a:solidFill>
+                <a:effectLst/>
+                <a:latin typeface="Google Sans"/>
+              </a:rPr>
+              <a:t>Tuned XGBoost, resulting in an accuracy improvement from 74% to 76%, Naïve Bayes 63% to 66% and logistic regression 58% to 70%.</a:t>
+            </a:r>
+          </a:p>
+          <a:p>
+            <a:r>
+              <a:rPr lang="en-US" sz="1600" dirty="0">
+                <a:solidFill>
+                  <a:schemeClr val="bg1"/>
+                </a:solidFill>
+                <a:latin typeface="Google Sans"/>
+              </a:rPr>
+              <a:t>Most users reorder within 4-8 days of their first order</a:t>
+            </a:r>
+            <a:endParaRPr lang="en-US" sz="1600" b="0" i="0" dirty="0">
+              <a:solidFill>
+                <a:schemeClr val="bg1"/>
+              </a:solidFill>
+              <a:effectLst/>
+              <a:latin typeface="Google Sans"/>
+            </a:endParaRPr>
+          </a:p>
+          <a:p>
+            <a:r>
+              <a:rPr lang="en-US" sz="1600" dirty="0">
+                <a:solidFill>
+                  <a:schemeClr val="bg1"/>
+                </a:solidFill>
+                <a:latin typeface="Google Sans"/>
+              </a:rPr>
+              <a:t>T</a:t>
+            </a:r>
+            <a:r>
+              <a:rPr lang="en-US" sz="1600" b="0" i="0" dirty="0">
+                <a:solidFill>
+                  <a:schemeClr val="bg1"/>
+                </a:solidFill>
+                <a:effectLst/>
+                <a:latin typeface="Google Sans"/>
+              </a:rPr>
+              <a:t>he analysis offers insights for understanding user behavior in online food ordering platforms, paving the way for predictive modeling to enhance customer experience and operational efficiency</a:t>
+            </a:r>
+            <a:r>
+              <a:rPr lang="en-US" sz="1600" dirty="0">
+                <a:solidFill>
+                  <a:schemeClr val="bg1"/>
+                </a:solidFill>
+              </a:rPr>
+              <a:t>.</a:t>
+            </a:r>
+          </a:p>
+        </p:txBody>
+      </p:sp>
+    </p:spTree>
+    <p:extLst>
+      <p:ext uri="{BB962C8B-B14F-4D97-AF65-F5344CB8AC3E}">
+        <p14:creationId xmlns:p14="http://schemas.microsoft.com/office/powerpoint/2010/main" val="1922887275"/>
+      </p:ext>
+    </p:extLst>
+  </p:cSld>
+  <p:clrMapOvr>
+    <a:masterClrMapping/>
+  </p:clrMapOvr>
+</p:sld>
+</file>
+
+<file path=ppt/slides/slide15.xml><?xml version="1.0" encoding="utf-8"?>
+<p:sld xmlns:a="http://schemas.openxmlformats.org/drawingml/2006/main" xmlns:r="http://schemas.openxmlformats.org/officeDocument/2006/relationships" xmlns:p="http://schemas.openxmlformats.org/presentationml/2006/main">
+  <p:cSld>
+    <p:spTree>
+      <p:nvGrpSpPr>
+        <p:cNvPr id="1" name=""/>
+        <p:cNvGrpSpPr/>
+        <p:nvPr/>
+      </p:nvGrpSpPr>
+      <p:grpSpPr>
+        <a:xfrm>
+          <a:off x="0" y="0"/>
+          <a:ext cx="0" cy="0"/>
+          <a:chOff x="0" y="0"/>
+          <a:chExt cx="0" cy="0"/>
+        </a:xfrm>
+      </p:grpSpPr>
+      <p:sp>
+        <p:nvSpPr>
+          <p:cNvPr id="2" name="Title 1">
+            <a:extLst>
+              <a:ext uri="{FF2B5EF4-FFF2-40B4-BE49-F238E27FC236}">
+                <a16:creationId xmlns:a16="http://schemas.microsoft.com/office/drawing/2014/main" id="{71469360-89C9-FB61-66DE-ADEBA75A5163}"/>
+              </a:ext>
+            </a:extLst>
+          </p:cNvPr>
+          <p:cNvSpPr>
+            <a:spLocks noGrp="1"/>
+          </p:cNvSpPr>
+          <p:nvPr>
+            <p:ph type="title"/>
+          </p:nvPr>
+        </p:nvSpPr>
+        <p:spPr/>
+        <p:txBody>
+          <a:bodyPr/>
+          <a:lstStyle/>
+          <a:p>
+            <a:r>
+              <a:rPr lang="en-US" dirty="0"/>
+              <a:t>Next steps </a:t>
+            </a:r>
+          </a:p>
+        </p:txBody>
+      </p:sp>
+      <p:sp>
+        <p:nvSpPr>
+          <p:cNvPr id="3" name="Content Placeholder 2">
+            <a:extLst>
+              <a:ext uri="{FF2B5EF4-FFF2-40B4-BE49-F238E27FC236}">
+                <a16:creationId xmlns:a16="http://schemas.microsoft.com/office/drawing/2014/main" id="{FCB72BA8-9361-2866-48AC-BF8C1EA27D78}"/>
+              </a:ext>
+            </a:extLst>
+          </p:cNvPr>
+          <p:cNvSpPr>
+            <a:spLocks noGrp="1"/>
+          </p:cNvSpPr>
+          <p:nvPr>
+            <p:ph idx="1"/>
+          </p:nvPr>
+        </p:nvSpPr>
+        <p:spPr/>
+        <p:txBody>
+          <a:bodyPr/>
+          <a:lstStyle/>
+          <a:p>
+            <a:r>
+              <a:rPr lang="en-US" dirty="0">
+                <a:solidFill>
+                  <a:schemeClr val="bg1"/>
+                </a:solidFill>
+              </a:rPr>
+              <a:t>Will make smaller subsets of dataset and turn non-numerical columns to numerical columns to make better predictions </a:t>
+            </a:r>
+          </a:p>
+          <a:p>
+            <a:r>
+              <a:rPr lang="en-US" dirty="0">
+                <a:solidFill>
+                  <a:schemeClr val="bg1"/>
+                </a:solidFill>
+              </a:rPr>
+              <a:t>Obtain more data to make recommendations for vegetarian users including nutritional information</a:t>
+            </a:r>
+          </a:p>
+        </p:txBody>
+      </p:sp>
+    </p:spTree>
+    <p:extLst>
+      <p:ext uri="{BB962C8B-B14F-4D97-AF65-F5344CB8AC3E}">
+        <p14:creationId xmlns:p14="http://schemas.microsoft.com/office/powerpoint/2010/main" val="145384703"/>
+      </p:ext>
+    </p:extLst>
+  </p:cSld>
+  <p:clrMapOvr>
+    <a:masterClrMapping/>
+  </p:clrMapOvr>
+</p:sld>
+</file>
+
+<file path=ppt/slides/slide16.xml><?xml version="1.0" encoding="utf-8"?>
+<p:sld xmlns:a="http://schemas.openxmlformats.org/drawingml/2006/main" xmlns:r="http://schemas.openxmlformats.org/officeDocument/2006/relationships" xmlns:p="http://schemas.openxmlformats.org/presentationml/2006/main">
+  <p:cSld>
+    <p:spTree>
+      <p:nvGrpSpPr>
+        <p:cNvPr id="1" name=""/>
+        <p:cNvGrpSpPr/>
+        <p:nvPr/>
+      </p:nvGrpSpPr>
+      <p:grpSpPr>
+        <a:xfrm>
+          <a:off x="0" y="0"/>
+          <a:ext cx="0" cy="0"/>
+          <a:chOff x="0" y="0"/>
+          <a:chExt cx="0" cy="0"/>
+        </a:xfrm>
+      </p:grpSpPr>
+      <p:sp>
+        <p:nvSpPr>
+          <p:cNvPr id="2" name="Title 1">
+            <a:extLst>
+              <a:ext uri="{FF2B5EF4-FFF2-40B4-BE49-F238E27FC236}">
+                <a16:creationId xmlns:a16="http://schemas.microsoft.com/office/drawing/2014/main" id="{524229F4-2F8A-40F0-8955-8BE0C4475840}"/>
+              </a:ext>
+            </a:extLst>
+          </p:cNvPr>
+          <p:cNvSpPr>
+            <a:spLocks noGrp="1"/>
+          </p:cNvSpPr>
+          <p:nvPr>
+            <p:ph type="title"/>
+          </p:nvPr>
+        </p:nvSpPr>
+        <p:spPr/>
+        <p:txBody>
+          <a:bodyPr/>
+          <a:lstStyle/>
+          <a:p>
+            <a:r>
+              <a:rPr lang="en-US" dirty="0"/>
+              <a:t>Thank you, </a:t>
+            </a:r>
+            <a:r>
+              <a:rPr lang="en-US"/>
+              <a:t>Any Questions?</a:t>
+            </a:r>
+            <a:endParaRPr lang="en-US" dirty="0"/>
+          </a:p>
+        </p:txBody>
+      </p:sp>
+      <p:sp>
+        <p:nvSpPr>
+          <p:cNvPr id="3" name="Content Placeholder 2">
+            <a:extLst>
+              <a:ext uri="{FF2B5EF4-FFF2-40B4-BE49-F238E27FC236}">
+                <a16:creationId xmlns:a16="http://schemas.microsoft.com/office/drawing/2014/main" id="{59EF632F-9F6F-172B-B155-19EB0179D22F}"/>
+              </a:ext>
+            </a:extLst>
+          </p:cNvPr>
+          <p:cNvSpPr>
+            <a:spLocks noGrp="1"/>
+          </p:cNvSpPr>
+          <p:nvPr>
+            <p:ph idx="1"/>
+          </p:nvPr>
+        </p:nvSpPr>
+        <p:spPr/>
+        <p:txBody>
+          <a:bodyPr>
+            <a:normAutofit/>
+          </a:bodyPr>
+          <a:lstStyle/>
+          <a:p>
+            <a:r>
+              <a:rPr lang="en-US" sz="3200" dirty="0"/>
+              <a:t>Musa Irshad</a:t>
+            </a:r>
+          </a:p>
+          <a:p>
+            <a:pPr marL="0" indent="0">
+              <a:buNone/>
+            </a:pPr>
+            <a:r>
+              <a:rPr lang="en-US" sz="3200" dirty="0"/>
+              <a:t>  </a:t>
+            </a:r>
+            <a:r>
+              <a:rPr lang="en-US" sz="2400" b="0" i="0" u="none" strike="noStrike" dirty="0">
+                <a:effectLst/>
+                <a:latin typeface="-apple-system"/>
+                <a:hlinkClick r:id="rId2"/>
+              </a:rPr>
+              <a:t>www.linkedin.com/in/musairshad</a:t>
+            </a:r>
+            <a:r>
+              <a:rPr lang="en-US" sz="2400" b="0" i="0" u="none" strike="noStrike" dirty="0">
+                <a:effectLst/>
+                <a:latin typeface="-apple-system"/>
+              </a:rPr>
+              <a:t> </a:t>
+            </a:r>
+          </a:p>
+          <a:p>
+            <a:pPr marL="0" indent="0">
+              <a:buNone/>
+            </a:pPr>
+            <a:r>
+              <a:rPr lang="en-US" dirty="0">
+                <a:latin typeface="-apple-system"/>
+              </a:rPr>
+              <a:t>   </a:t>
+            </a:r>
+            <a:r>
+              <a:rPr lang="en-US" dirty="0">
+                <a:latin typeface="-apple-system"/>
+                <a:hlinkClick r:id="rId3"/>
+              </a:rPr>
+              <a:t>https://github.com/musairshad</a:t>
+            </a:r>
+            <a:r>
+              <a:rPr lang="en-US" dirty="0">
+                <a:latin typeface="-apple-system"/>
+              </a:rPr>
+              <a:t> </a:t>
+            </a:r>
+            <a:endParaRPr lang="en-US" sz="3200" dirty="0"/>
+          </a:p>
+        </p:txBody>
+      </p:sp>
+    </p:spTree>
+    <p:extLst>
+      <p:ext uri="{BB962C8B-B14F-4D97-AF65-F5344CB8AC3E}">
+        <p14:creationId xmlns:p14="http://schemas.microsoft.com/office/powerpoint/2010/main" val="1011717488"/>
+      </p:ext>
+    </p:extLst>
+  </p:cSld>
+  <p:clrMapOvr>
+    <a:masterClrMapping/>
+  </p:clrMapOvr>
+</p:sld>
+</file>
+
+<file path=ppt/slides/slide2.xml><?xml version="1.0" encoding="utf-8"?>
+<p:sld xmlns:a="http://schemas.openxmlformats.org/drawingml/2006/main" xmlns:r="http://schemas.openxmlformats.org/officeDocument/2006/relationships" xmlns:p="http://schemas.openxmlformats.org/presentationml/2006/main">
+  <p:cSld>
+    <p:spTree>
+      <p:nvGrpSpPr>
+        <p:cNvPr id="1" name=""/>
+        <p:cNvGrpSpPr/>
+        <p:nvPr/>
+      </p:nvGrpSpPr>
+      <p:grpSpPr>
+        <a:xfrm>
+          <a:off x="0" y="0"/>
+          <a:ext cx="0" cy="0"/>
+          <a:chOff x="0" y="0"/>
+          <a:chExt cx="0" cy="0"/>
+        </a:xfrm>
+      </p:grpSpPr>
+      <p:sp>
+        <p:nvSpPr>
+          <p:cNvPr id="2" name="Title 1">
+            <a:extLst>
+              <a:ext uri="{FF2B5EF4-FFF2-40B4-BE49-F238E27FC236}">
+                <a16:creationId xmlns:a16="http://schemas.microsoft.com/office/drawing/2014/main" id="{E821C7FB-CF5D-14C7-89FA-9CE987BB6920}"/>
+              </a:ext>
+            </a:extLst>
+          </p:cNvPr>
+          <p:cNvSpPr>
+            <a:spLocks noGrp="1"/>
+          </p:cNvSpPr>
+          <p:nvPr>
+            <p:ph type="title"/>
+          </p:nvPr>
+        </p:nvSpPr>
+        <p:spPr/>
+        <p:txBody>
+          <a:bodyPr/>
+          <a:lstStyle/>
+          <a:p>
+            <a:r>
+              <a:rPr lang="en-US" dirty="0"/>
+              <a:t>Business Problem</a:t>
+            </a:r>
+          </a:p>
+        </p:txBody>
+      </p:sp>
+      <p:sp>
+        <p:nvSpPr>
+          <p:cNvPr id="3" name="Content Placeholder 2">
+            <a:extLst>
+              <a:ext uri="{FF2B5EF4-FFF2-40B4-BE49-F238E27FC236}">
+                <a16:creationId xmlns:a16="http://schemas.microsoft.com/office/drawing/2014/main" id="{FA1E6676-5DF3-6D7F-AA51-A7075688638E}"/>
+              </a:ext>
+            </a:extLst>
+          </p:cNvPr>
+          <p:cNvSpPr>
+            <a:spLocks noGrp="1"/>
+          </p:cNvSpPr>
+          <p:nvPr>
+            <p:ph idx="1"/>
+          </p:nvPr>
+        </p:nvSpPr>
+        <p:spPr/>
+        <p:txBody>
+          <a:bodyPr/>
+          <a:lstStyle/>
+          <a:p>
+            <a:pPr algn="l">
+              <a:buFont typeface="Arial" panose="020B0604020202020204" pitchFamily="34" charset="0"/>
+              <a:buChar char="•"/>
+            </a:pPr>
+            <a:r>
+              <a:rPr lang="en-US" dirty="0">
+                <a:solidFill>
+                  <a:srgbClr val="1F1F1F"/>
+                </a:solidFill>
+                <a:latin typeface="Google Sans"/>
+              </a:rPr>
+              <a:t>Stakeholder is Instacart and stores </a:t>
+            </a:r>
+            <a:endParaRPr lang="en-US" b="0" i="0" dirty="0">
+              <a:solidFill>
+                <a:srgbClr val="1F1F1F"/>
+              </a:solidFill>
+              <a:effectLst/>
+              <a:latin typeface="Google Sans"/>
+            </a:endParaRPr>
+          </a:p>
+          <a:p>
+            <a:pPr algn="l">
+              <a:buFont typeface="Arial" panose="020B0604020202020204" pitchFamily="34" charset="0"/>
+              <a:buChar char="•"/>
+            </a:pPr>
+            <a:r>
+              <a:rPr lang="en-US" b="0" i="0" dirty="0">
+                <a:solidFill>
+                  <a:srgbClr val="1F1F1F"/>
+                </a:solidFill>
+                <a:effectLst/>
+                <a:latin typeface="Google Sans"/>
+              </a:rPr>
+              <a:t>Understand vegetarian user purchase patterns from Instacart </a:t>
+            </a:r>
+          </a:p>
+          <a:p>
+            <a:pPr algn="l">
+              <a:buFont typeface="Arial" panose="020B0604020202020204" pitchFamily="34" charset="0"/>
+              <a:buChar char="•"/>
+            </a:pPr>
+            <a:r>
+              <a:rPr lang="en-US" dirty="0">
+                <a:solidFill>
+                  <a:srgbClr val="1F1F1F"/>
+                </a:solidFill>
+                <a:latin typeface="Google Sans"/>
+              </a:rPr>
+              <a:t>Offer users incentives and recommendations</a:t>
+            </a:r>
+          </a:p>
+          <a:p>
+            <a:pPr algn="l">
+              <a:buFont typeface="Arial" panose="020B0604020202020204" pitchFamily="34" charset="0"/>
+              <a:buChar char="•"/>
+            </a:pPr>
+            <a:r>
+              <a:rPr lang="en-US" dirty="0">
+                <a:solidFill>
+                  <a:srgbClr val="1F1F1F"/>
+                </a:solidFill>
+                <a:latin typeface="Google Sans"/>
+              </a:rPr>
+              <a:t>How can we predict users first time order or re-order with highest accuracy?</a:t>
+            </a:r>
+            <a:endParaRPr lang="en-US" b="0" i="0" dirty="0">
+              <a:solidFill>
+                <a:srgbClr val="1F1F1F"/>
+              </a:solidFill>
+              <a:effectLst/>
+              <a:latin typeface="Google Sans"/>
+            </a:endParaRPr>
+          </a:p>
+          <a:p>
+            <a:pPr algn="l">
+              <a:buFont typeface="Arial" panose="020B0604020202020204" pitchFamily="34" charset="0"/>
+              <a:buChar char="•"/>
+            </a:pPr>
+            <a:r>
+              <a:rPr lang="en-US" dirty="0">
+                <a:solidFill>
+                  <a:srgbClr val="1F1F1F"/>
+                </a:solidFill>
+                <a:latin typeface="Google Sans"/>
+              </a:rPr>
+              <a:t>What is distribution of days between users prior order and then re-order?</a:t>
+            </a:r>
+            <a:endParaRPr lang="en-US" b="0" i="0" dirty="0">
+              <a:solidFill>
+                <a:srgbClr val="1F1F1F"/>
+              </a:solidFill>
+              <a:effectLst/>
+              <a:latin typeface="Google Sans"/>
+            </a:endParaRPr>
+          </a:p>
+          <a:p>
+            <a:pPr marL="0" indent="0" algn="l">
+              <a:buNone/>
+            </a:pPr>
+            <a:endParaRPr lang="en-US" b="0" i="0" dirty="0">
+              <a:solidFill>
+                <a:srgbClr val="1F1F1F"/>
+              </a:solidFill>
+              <a:effectLst/>
+              <a:latin typeface="Google Sans"/>
+            </a:endParaRPr>
+          </a:p>
+        </p:txBody>
+      </p:sp>
+    </p:spTree>
+    <p:extLst>
+      <p:ext uri="{BB962C8B-B14F-4D97-AF65-F5344CB8AC3E}">
+        <p14:creationId xmlns:p14="http://schemas.microsoft.com/office/powerpoint/2010/main" val="3349124939"/>
+      </p:ext>
+    </p:extLst>
+  </p:cSld>
+  <p:clrMapOvr>
+    <a:masterClrMapping/>
+  </p:clrMapOvr>
+</p:sld>
+</file>
+
+<file path=ppt/slides/slide3.xml><?xml version="1.0" encoding="utf-8"?>
+<p:sld xmlns:a="http://schemas.openxmlformats.org/drawingml/2006/main" xmlns:r="http://schemas.openxmlformats.org/officeDocument/2006/relationships" xmlns:p="http://schemas.openxmlformats.org/presentationml/2006/main">
+  <p:cSld>
+    <p:spTree>
+      <p:nvGrpSpPr>
+        <p:cNvPr id="1" name=""/>
+        <p:cNvGrpSpPr/>
+        <p:nvPr/>
+      </p:nvGrpSpPr>
+      <p:grpSpPr>
+        <a:xfrm>
+          <a:off x="0" y="0"/>
+          <a:ext cx="0" cy="0"/>
+          <a:chOff x="0" y="0"/>
+          <a:chExt cx="0" cy="0"/>
+        </a:xfrm>
+      </p:grpSpPr>
+      <p:sp>
+        <p:nvSpPr>
+          <p:cNvPr id="2" name="Title 1">
+            <a:extLst>
+              <a:ext uri="{FF2B5EF4-FFF2-40B4-BE49-F238E27FC236}">
+                <a16:creationId xmlns:a16="http://schemas.microsoft.com/office/drawing/2014/main" id="{14C3DEA0-610B-55D0-6FC0-C2BB9E8F92EB}"/>
+              </a:ext>
+            </a:extLst>
+          </p:cNvPr>
+          <p:cNvSpPr>
+            <a:spLocks noGrp="1"/>
+          </p:cNvSpPr>
+          <p:nvPr>
+            <p:ph type="title"/>
+          </p:nvPr>
+        </p:nvSpPr>
+        <p:spPr/>
+        <p:txBody>
+          <a:bodyPr/>
+          <a:lstStyle/>
+          <a:p>
+            <a:r>
+              <a:rPr lang="en-US" dirty="0"/>
+              <a:t>Data Understanding</a:t>
+            </a:r>
+          </a:p>
+        </p:txBody>
+      </p:sp>
+      <p:sp>
+        <p:nvSpPr>
+          <p:cNvPr id="3" name="Content Placeholder 2">
+            <a:extLst>
+              <a:ext uri="{FF2B5EF4-FFF2-40B4-BE49-F238E27FC236}">
+                <a16:creationId xmlns:a16="http://schemas.microsoft.com/office/drawing/2014/main" id="{9AA0384A-99D8-637A-344F-50595E7C6A85}"/>
+              </a:ext>
+            </a:extLst>
+          </p:cNvPr>
+          <p:cNvSpPr>
+            <a:spLocks noGrp="1"/>
+          </p:cNvSpPr>
+          <p:nvPr>
+            <p:ph idx="1"/>
+          </p:nvPr>
+        </p:nvSpPr>
+        <p:spPr/>
+        <p:txBody>
+          <a:bodyPr>
+            <a:normAutofit/>
+          </a:bodyPr>
+          <a:lstStyle/>
+          <a:p>
+            <a:pPr rtl="0">
+              <a:spcBef>
+                <a:spcPts val="0"/>
+              </a:spcBef>
+              <a:spcAft>
+                <a:spcPts val="0"/>
+              </a:spcAft>
+            </a:pPr>
+            <a:r>
+              <a:rPr lang="en-US" sz="1800" dirty="0">
+                <a:solidFill>
+                  <a:schemeClr val="bg1"/>
+                </a:solidFill>
+              </a:rPr>
+              <a:t>Data Source :</a:t>
+            </a:r>
+            <a:r>
+              <a:rPr lang="en-US" sz="1800" b="0" i="0" u="sng" strike="noStrike" dirty="0">
+                <a:solidFill>
+                  <a:schemeClr val="bg1"/>
+                </a:solidFill>
+                <a:effectLst/>
+                <a:latin typeface="Arial" panose="020B0604020202020204" pitchFamily="34" charset="0"/>
+                <a:hlinkClick r:id="rId2">
+                  <a:extLst>
+                    <a:ext uri="{A12FA001-AC4F-418D-AE19-62706E023703}">
+                      <ahyp:hlinkClr xmlns:ahyp="http://schemas.microsoft.com/office/drawing/2018/hyperlinkcolor" val="tx"/>
+                    </a:ext>
+                  </a:extLst>
+                </a:hlinkClick>
+              </a:rPr>
+              <a:t>https://www.kaggle.com/datasets/psparks/instacart-market-basket-analysi</a:t>
+            </a:r>
+            <a:r>
+              <a:rPr lang="en-US" sz="1800" b="0" i="0" u="sng" strike="noStrike" dirty="0">
+                <a:solidFill>
+                  <a:schemeClr val="bg1"/>
+                </a:solidFill>
+                <a:effectLst/>
+                <a:latin typeface="Arial" panose="020B0604020202020204" pitchFamily="34" charset="0"/>
+              </a:rPr>
+              <a:t>s </a:t>
+            </a:r>
+            <a:r>
+              <a:rPr lang="en-US" sz="1800" b="0" i="0" u="none" strike="noStrike" dirty="0">
+                <a:solidFill>
+                  <a:schemeClr val="bg1"/>
+                </a:solidFill>
+                <a:effectLst/>
+                <a:latin typeface="Arial" panose="020B0604020202020204" pitchFamily="34" charset="0"/>
+              </a:rPr>
+              <a:t> </a:t>
+            </a:r>
+          </a:p>
+          <a:p>
+            <a:pPr rtl="0">
+              <a:spcBef>
+                <a:spcPts val="0"/>
+              </a:spcBef>
+              <a:spcAft>
+                <a:spcPts val="0"/>
+              </a:spcAft>
+            </a:pPr>
+            <a:endParaRPr lang="en-US" sz="1800" b="0" i="0" u="none" strike="noStrike" dirty="0">
+              <a:solidFill>
+                <a:schemeClr val="bg1"/>
+              </a:solidFill>
+              <a:effectLst/>
+              <a:latin typeface="Söhne"/>
+            </a:endParaRPr>
+          </a:p>
+          <a:p>
+            <a:pPr rtl="0">
+              <a:spcBef>
+                <a:spcPts val="0"/>
+              </a:spcBef>
+              <a:spcAft>
+                <a:spcPts val="0"/>
+              </a:spcAft>
+            </a:pPr>
+            <a:r>
+              <a:rPr lang="en-US" sz="1800" b="0" i="0" u="none" strike="noStrike" dirty="0">
+                <a:solidFill>
+                  <a:schemeClr val="bg1"/>
+                </a:solidFill>
+                <a:effectLst/>
+                <a:latin typeface="Söhne"/>
+              </a:rPr>
+              <a:t>Publicly available on Kaggle</a:t>
+            </a:r>
+          </a:p>
+          <a:p>
+            <a:pPr>
+              <a:buFont typeface="Arial" panose="020B0604020202020204" pitchFamily="34" charset="0"/>
+              <a:buChar char="•"/>
+            </a:pPr>
+            <a:r>
+              <a:rPr lang="en-US" sz="1800" b="0" i="0" u="none" strike="noStrike" dirty="0">
+                <a:solidFill>
+                  <a:schemeClr val="bg1"/>
+                </a:solidFill>
+                <a:effectLst/>
+                <a:latin typeface="Söhne"/>
+              </a:rPr>
+              <a:t>Contains over 5 million instances of orders made via Instacart grocery shopping app</a:t>
+            </a:r>
+          </a:p>
+          <a:p>
+            <a:r>
+              <a:rPr lang="en-US" sz="1800" b="0" i="0" u="none" strike="noStrike" dirty="0">
+                <a:solidFill>
+                  <a:schemeClr val="bg1"/>
+                </a:solidFill>
+                <a:effectLst/>
+                <a:latin typeface="Söhne"/>
+              </a:rPr>
+              <a:t>Indicates the frequency of order placements</a:t>
+            </a:r>
+          </a:p>
+          <a:p>
+            <a:pPr>
+              <a:buFont typeface="Arial" panose="020B0604020202020204" pitchFamily="34" charset="0"/>
+              <a:buChar char="•"/>
+            </a:pPr>
+            <a:r>
+              <a:rPr lang="en-US" sz="1800" b="0" i="0" u="none" strike="noStrike" dirty="0">
+                <a:solidFill>
+                  <a:schemeClr val="bg1"/>
+                </a:solidFill>
+                <a:effectLst/>
+                <a:latin typeface="Söhne"/>
+              </a:rPr>
+              <a:t>Specifies whether orders were reordered or not</a:t>
+            </a:r>
+          </a:p>
+          <a:p>
+            <a:pPr marL="0" indent="0">
+              <a:buNone/>
+            </a:pPr>
+            <a:endParaRPr lang="en-US" dirty="0"/>
+          </a:p>
+        </p:txBody>
+      </p:sp>
+    </p:spTree>
+    <p:extLst>
+      <p:ext uri="{BB962C8B-B14F-4D97-AF65-F5344CB8AC3E}">
+        <p14:creationId xmlns:p14="http://schemas.microsoft.com/office/powerpoint/2010/main" val="3721812028"/>
+      </p:ext>
+    </p:extLst>
+  </p:cSld>
+  <p:clrMapOvr>
+    <a:masterClrMapping/>
+  </p:clrMapOvr>
+</p:sld>
+</file>
+
+<file path=ppt/slides/slide4.xml><?xml version="1.0" encoding="utf-8"?>
+<p:sld xmlns:a="http://schemas.openxmlformats.org/drawingml/2006/main" xmlns:r="http://schemas.openxmlformats.org/officeDocument/2006/relationships" xmlns:p="http://schemas.openxmlformats.org/presentationml/2006/main">
+  <p:cSld>
+    <p:spTree>
+      <p:nvGrpSpPr>
+        <p:cNvPr id="1" name=""/>
+        <p:cNvGrpSpPr/>
+        <p:nvPr/>
+      </p:nvGrpSpPr>
+      <p:grpSpPr>
+        <a:xfrm>
+          <a:off x="0" y="0"/>
+          <a:ext cx="0" cy="0"/>
+          <a:chOff x="0" y="0"/>
+          <a:chExt cx="0" cy="0"/>
+        </a:xfrm>
+      </p:grpSpPr>
+      <p:sp>
+        <p:nvSpPr>
+          <p:cNvPr id="2" name="Title 1">
+            <a:extLst>
+              <a:ext uri="{FF2B5EF4-FFF2-40B4-BE49-F238E27FC236}">
+                <a16:creationId xmlns:a16="http://schemas.microsoft.com/office/drawing/2014/main" id="{CE0A5A13-BC55-85CC-4CEF-241B3FE67036}"/>
+              </a:ext>
+            </a:extLst>
+          </p:cNvPr>
+          <p:cNvSpPr>
+            <a:spLocks noGrp="1"/>
+          </p:cNvSpPr>
+          <p:nvPr>
+            <p:ph type="title"/>
+          </p:nvPr>
+        </p:nvSpPr>
+        <p:spPr/>
+        <p:txBody>
+          <a:bodyPr/>
+          <a:lstStyle/>
+          <a:p>
+            <a:r>
+              <a:rPr lang="en-US" dirty="0"/>
+              <a:t>Data Exploration and Cleaning</a:t>
+            </a:r>
+          </a:p>
+        </p:txBody>
+      </p:sp>
+      <p:sp>
+        <p:nvSpPr>
+          <p:cNvPr id="3" name="Content Placeholder 2">
+            <a:extLst>
+              <a:ext uri="{FF2B5EF4-FFF2-40B4-BE49-F238E27FC236}">
+                <a16:creationId xmlns:a16="http://schemas.microsoft.com/office/drawing/2014/main" id="{135C8963-D66A-CA51-1CB5-5F1C626587B3}"/>
+              </a:ext>
+            </a:extLst>
+          </p:cNvPr>
+          <p:cNvSpPr>
+            <a:spLocks noGrp="1"/>
+          </p:cNvSpPr>
+          <p:nvPr>
+            <p:ph idx="1"/>
+          </p:nvPr>
+        </p:nvSpPr>
+        <p:spPr/>
+        <p:txBody>
+          <a:bodyPr/>
+          <a:lstStyle/>
+          <a:p>
+            <a:pPr algn="l">
+              <a:buFont typeface="Arial" panose="020B0604020202020204" pitchFamily="34" charset="0"/>
+              <a:buChar char="•"/>
+            </a:pPr>
+            <a:r>
+              <a:rPr lang="en-US" b="0" i="0" dirty="0">
+                <a:solidFill>
+                  <a:srgbClr val="1F1F1F"/>
+                </a:solidFill>
+                <a:effectLst/>
+                <a:latin typeface="Google Sans"/>
+              </a:rPr>
+              <a:t>Merged four datasets (products, aisles, orders, departments)</a:t>
+            </a:r>
+          </a:p>
+          <a:p>
+            <a:pPr algn="l">
+              <a:buFont typeface="Arial" panose="020B0604020202020204" pitchFamily="34" charset="0"/>
+              <a:buChar char="•"/>
+            </a:pPr>
+            <a:r>
+              <a:rPr lang="en-US" b="0" i="0" dirty="0">
+                <a:solidFill>
+                  <a:srgbClr val="1F1F1F"/>
+                </a:solidFill>
+                <a:effectLst/>
+                <a:latin typeface="Google Sans"/>
+              </a:rPr>
+              <a:t>Filtered data for food-related orders</a:t>
+            </a:r>
+          </a:p>
+          <a:p>
+            <a:pPr algn="l">
+              <a:buFont typeface="Arial" panose="020B0604020202020204" pitchFamily="34" charset="0"/>
+              <a:buChar char="•"/>
+            </a:pPr>
+            <a:r>
+              <a:rPr lang="en-US" b="0" i="0" dirty="0">
+                <a:solidFill>
+                  <a:srgbClr val="1F1F1F"/>
+                </a:solidFill>
+                <a:effectLst/>
+                <a:latin typeface="Google Sans"/>
+              </a:rPr>
+              <a:t>Handled missing values in "</a:t>
+            </a:r>
+            <a:r>
+              <a:rPr lang="en-US" b="0" i="0" dirty="0" err="1">
+                <a:solidFill>
+                  <a:srgbClr val="1F1F1F"/>
+                </a:solidFill>
+                <a:effectLst/>
+                <a:latin typeface="Google Sans"/>
+              </a:rPr>
+              <a:t>days_since_prior_order</a:t>
+            </a:r>
+            <a:r>
+              <a:rPr lang="en-US" b="0" i="0" dirty="0">
+                <a:solidFill>
+                  <a:srgbClr val="1F1F1F"/>
+                </a:solidFill>
+                <a:effectLst/>
+                <a:latin typeface="Google Sans"/>
+              </a:rPr>
+              <a:t>“</a:t>
+            </a:r>
+          </a:p>
+          <a:p>
+            <a:pPr algn="l">
+              <a:buFont typeface="Arial" panose="020B0604020202020204" pitchFamily="34" charset="0"/>
+              <a:buChar char="•"/>
+            </a:pPr>
+            <a:r>
+              <a:rPr lang="en-US" dirty="0">
+                <a:solidFill>
+                  <a:srgbClr val="1F1F1F"/>
+                </a:solidFill>
+                <a:latin typeface="Google Sans"/>
+              </a:rPr>
+              <a:t>Dropped the missing values </a:t>
+            </a:r>
+            <a:endParaRPr lang="en-US" b="0" i="0" dirty="0">
+              <a:solidFill>
+                <a:srgbClr val="1F1F1F"/>
+              </a:solidFill>
+              <a:effectLst/>
+              <a:latin typeface="Google Sans"/>
+            </a:endParaRPr>
+          </a:p>
+          <a:p>
+            <a:r>
+              <a:rPr lang="en-US" dirty="0">
+                <a:solidFill>
+                  <a:srgbClr val="1F1F1F"/>
+                </a:solidFill>
+                <a:latin typeface="Google Sans"/>
+              </a:rPr>
+              <a:t>Slightly imbalanced data (More re-orders than first-time orders)</a:t>
+            </a:r>
+          </a:p>
+        </p:txBody>
+      </p:sp>
+    </p:spTree>
+    <p:extLst>
+      <p:ext uri="{BB962C8B-B14F-4D97-AF65-F5344CB8AC3E}">
+        <p14:creationId xmlns:p14="http://schemas.microsoft.com/office/powerpoint/2010/main" val="1209562967"/>
+      </p:ext>
+    </p:extLst>
+  </p:cSld>
+  <p:clrMapOvr>
+    <a:masterClrMapping/>
+  </p:clrMapOvr>
+</p:sld>
+</file>
+
+<file path=ppt/slides/slide5.xml><?xml version="1.0" encoding="utf-8"?>
+<p:sld xmlns:a="http://schemas.openxmlformats.org/drawingml/2006/main" xmlns:r="http://schemas.openxmlformats.org/officeDocument/2006/relationships" xmlns:p="http://schemas.openxmlformats.org/presentationml/2006/main">
+  <p:cSld>
+    <p:spTree>
+      <p:nvGrpSpPr>
+        <p:cNvPr id="1" name=""/>
+        <p:cNvGrpSpPr/>
+        <p:nvPr/>
+      </p:nvGrpSpPr>
+      <p:grpSpPr>
+        <a:xfrm>
+          <a:off x="0" y="0"/>
+          <a:ext cx="0" cy="0"/>
+          <a:chOff x="0" y="0"/>
+          <a:chExt cx="0" cy="0"/>
+        </a:xfrm>
+      </p:grpSpPr>
+      <p:sp>
+        <p:nvSpPr>
+          <p:cNvPr id="2" name="Title 1">
+            <a:extLst>
+              <a:ext uri="{FF2B5EF4-FFF2-40B4-BE49-F238E27FC236}">
+                <a16:creationId xmlns:a16="http://schemas.microsoft.com/office/drawing/2014/main" id="{C815B269-A915-8F8A-46AE-C9C824701BF5}"/>
+              </a:ext>
+            </a:extLst>
+          </p:cNvPr>
+          <p:cNvSpPr>
+            <a:spLocks noGrp="1"/>
+          </p:cNvSpPr>
+          <p:nvPr>
+            <p:ph type="title"/>
+          </p:nvPr>
+        </p:nvSpPr>
+        <p:spPr/>
+        <p:txBody>
+          <a:bodyPr/>
+          <a:lstStyle/>
+          <a:p>
+            <a:r>
+              <a:rPr lang="en-US" dirty="0"/>
+              <a:t>Exploratory Data Analysis</a:t>
+            </a:r>
+          </a:p>
+        </p:txBody>
+      </p:sp>
+      <p:sp>
+        <p:nvSpPr>
+          <p:cNvPr id="3" name="Content Placeholder 2">
+            <a:extLst>
+              <a:ext uri="{FF2B5EF4-FFF2-40B4-BE49-F238E27FC236}">
+                <a16:creationId xmlns:a16="http://schemas.microsoft.com/office/drawing/2014/main" id="{77CEAF28-1950-247E-1148-A5FD399599A0}"/>
+              </a:ext>
+            </a:extLst>
+          </p:cNvPr>
+          <p:cNvSpPr>
+            <a:spLocks noGrp="1"/>
+          </p:cNvSpPr>
+          <p:nvPr>
+            <p:ph idx="1"/>
+          </p:nvPr>
+        </p:nvSpPr>
+        <p:spPr>
+          <a:xfrm>
+            <a:off x="680321" y="2130685"/>
+            <a:ext cx="9613861" cy="3599316"/>
+          </a:xfrm>
+        </p:spPr>
+        <p:txBody>
+          <a:bodyPr/>
+          <a:lstStyle/>
+          <a:p>
+            <a:r>
+              <a:rPr lang="en-US" b="0" i="0" dirty="0">
+                <a:solidFill>
+                  <a:srgbClr val="1F1F1F"/>
+                </a:solidFill>
+                <a:effectLst/>
+                <a:latin typeface="Google Sans"/>
+              </a:rPr>
+              <a:t>Top 10 Most Ordered Products</a:t>
+            </a:r>
+          </a:p>
+          <a:p>
+            <a:endParaRPr lang="en-US" dirty="0"/>
+          </a:p>
+        </p:txBody>
+      </p:sp>
+      <p:pic>
+        <p:nvPicPr>
+          <p:cNvPr id="6" name="Picture 5">
+            <a:extLst>
+              <a:ext uri="{FF2B5EF4-FFF2-40B4-BE49-F238E27FC236}">
+                <a16:creationId xmlns:a16="http://schemas.microsoft.com/office/drawing/2014/main" id="{E6918F12-8F43-3051-A147-94E3C7A81748}"/>
+              </a:ext>
+            </a:extLst>
+          </p:cNvPr>
+          <p:cNvPicPr>
+            <a:picLocks noChangeAspect="1"/>
+          </p:cNvPicPr>
+          <p:nvPr/>
+        </p:nvPicPr>
+        <p:blipFill>
+          <a:blip r:embed="rId2"/>
+          <a:stretch>
+            <a:fillRect/>
+          </a:stretch>
+        </p:blipFill>
+        <p:spPr>
+          <a:xfrm>
+            <a:off x="2456473" y="2623567"/>
+            <a:ext cx="7279054" cy="3481205"/>
+          </a:xfrm>
+          <a:prstGeom prst="rect">
+            <a:avLst/>
+          </a:prstGeom>
+        </p:spPr>
+      </p:pic>
+    </p:spTree>
+    <p:extLst>
+      <p:ext uri="{BB962C8B-B14F-4D97-AF65-F5344CB8AC3E}">
+        <p14:creationId xmlns:p14="http://schemas.microsoft.com/office/powerpoint/2010/main" val="3862031187"/>
+      </p:ext>
+    </p:extLst>
+  </p:cSld>
+  <p:clrMapOvr>
+    <a:masterClrMapping/>
+  </p:clrMapOvr>
+</p:sld>
+</file>
+
+<file path=ppt/slides/slide6.xml><?xml version="1.0" encoding="utf-8"?>
+<p:sld xmlns:a="http://schemas.openxmlformats.org/drawingml/2006/main" xmlns:r="http://schemas.openxmlformats.org/officeDocument/2006/relationships" xmlns:p="http://schemas.openxmlformats.org/presentationml/2006/main">
+  <p:cSld>
+    <p:spTree>
+      <p:nvGrpSpPr>
+        <p:cNvPr id="1" name=""/>
+        <p:cNvGrpSpPr/>
+        <p:nvPr/>
+      </p:nvGrpSpPr>
+      <p:grpSpPr>
+        <a:xfrm>
+          <a:off x="0" y="0"/>
+          <a:ext cx="0" cy="0"/>
+          <a:chOff x="0" y="0"/>
+          <a:chExt cx="0" cy="0"/>
+        </a:xfrm>
+      </p:grpSpPr>
+      <p:sp>
+        <p:nvSpPr>
+          <p:cNvPr id="2" name="Title 1">
+            <a:extLst>
+              <a:ext uri="{FF2B5EF4-FFF2-40B4-BE49-F238E27FC236}">
+                <a16:creationId xmlns:a16="http://schemas.microsoft.com/office/drawing/2014/main" id="{B9EB4153-7911-5DF6-01F9-95893E85630E}"/>
+              </a:ext>
+            </a:extLst>
+          </p:cNvPr>
+          <p:cNvSpPr>
+            <a:spLocks noGrp="1"/>
+          </p:cNvSpPr>
+          <p:nvPr>
+            <p:ph type="title"/>
+          </p:nvPr>
+        </p:nvSpPr>
+        <p:spPr/>
+        <p:txBody>
+          <a:bodyPr/>
+          <a:lstStyle/>
+          <a:p>
+            <a:r>
+              <a:rPr lang="en-US" dirty="0"/>
+              <a:t>Exploratory Data Analysis (contd.)</a:t>
+            </a:r>
+          </a:p>
+        </p:txBody>
+      </p:sp>
+      <p:sp>
+        <p:nvSpPr>
+          <p:cNvPr id="3" name="Content Placeholder 2">
+            <a:extLst>
+              <a:ext uri="{FF2B5EF4-FFF2-40B4-BE49-F238E27FC236}">
+                <a16:creationId xmlns:a16="http://schemas.microsoft.com/office/drawing/2014/main" id="{032676CF-1604-5E54-A5FF-735CB4C2C3E6}"/>
+              </a:ext>
+            </a:extLst>
+          </p:cNvPr>
+          <p:cNvSpPr>
+            <a:spLocks noGrp="1"/>
+          </p:cNvSpPr>
+          <p:nvPr>
+            <p:ph idx="1"/>
+          </p:nvPr>
+        </p:nvSpPr>
+        <p:spPr>
+          <a:xfrm>
+            <a:off x="680321" y="2041038"/>
+            <a:ext cx="9613861" cy="3599316"/>
+          </a:xfrm>
+        </p:spPr>
+        <p:txBody>
+          <a:bodyPr/>
+          <a:lstStyle/>
+          <a:p>
+            <a:r>
+              <a:rPr lang="en-US" dirty="0">
+                <a:solidFill>
+                  <a:schemeClr val="bg1"/>
+                </a:solidFill>
+              </a:rPr>
+              <a:t>First Time Order vs. Re-order of Products</a:t>
+            </a:r>
+          </a:p>
+          <a:p>
+            <a:endParaRPr lang="en-US" dirty="0"/>
+          </a:p>
+        </p:txBody>
+      </p:sp>
+      <p:pic>
+        <p:nvPicPr>
+          <p:cNvPr id="5" name="Picture 4">
+            <a:extLst>
+              <a:ext uri="{FF2B5EF4-FFF2-40B4-BE49-F238E27FC236}">
+                <a16:creationId xmlns:a16="http://schemas.microsoft.com/office/drawing/2014/main" id="{174624ED-D134-BB64-2035-A3D08D1C356D}"/>
+              </a:ext>
+            </a:extLst>
+          </p:cNvPr>
+          <p:cNvPicPr>
+            <a:picLocks noChangeAspect="1"/>
+          </p:cNvPicPr>
+          <p:nvPr/>
+        </p:nvPicPr>
+        <p:blipFill>
+          <a:blip r:embed="rId2"/>
+          <a:stretch>
+            <a:fillRect/>
+          </a:stretch>
+        </p:blipFill>
+        <p:spPr>
+          <a:xfrm>
+            <a:off x="3037354" y="2541983"/>
+            <a:ext cx="6117291" cy="3499412"/>
+          </a:xfrm>
+          <a:prstGeom prst="rect">
+            <a:avLst/>
+          </a:prstGeom>
+        </p:spPr>
+      </p:pic>
+    </p:spTree>
+    <p:extLst>
+      <p:ext uri="{BB962C8B-B14F-4D97-AF65-F5344CB8AC3E}">
+        <p14:creationId xmlns:p14="http://schemas.microsoft.com/office/powerpoint/2010/main" val="2709800206"/>
+      </p:ext>
+    </p:extLst>
+  </p:cSld>
+  <p:clrMapOvr>
+    <a:masterClrMapping/>
+  </p:clrMapOvr>
+</p:sld>
+</file>
+
+<file path=ppt/slides/slide7.xml><?xml version="1.0" encoding="utf-8"?>
+<p:sld xmlns:a="http://schemas.openxmlformats.org/drawingml/2006/main" xmlns:r="http://schemas.openxmlformats.org/officeDocument/2006/relationships" xmlns:p="http://schemas.openxmlformats.org/presentationml/2006/main">
+  <p:cSld>
+    <p:spTree>
+      <p:nvGrpSpPr>
+        <p:cNvPr id="1" name=""/>
+        <p:cNvGrpSpPr/>
+        <p:nvPr/>
+      </p:nvGrpSpPr>
+      <p:grpSpPr>
+        <a:xfrm>
+          <a:off x="0" y="0"/>
+          <a:ext cx="0" cy="0"/>
+          <a:chOff x="0" y="0"/>
+          <a:chExt cx="0" cy="0"/>
+        </a:xfrm>
+      </p:grpSpPr>
+      <p:sp>
+        <p:nvSpPr>
+          <p:cNvPr id="2" name="Title 1">
+            <a:extLst>
+              <a:ext uri="{FF2B5EF4-FFF2-40B4-BE49-F238E27FC236}">
+                <a16:creationId xmlns:a16="http://schemas.microsoft.com/office/drawing/2014/main" id="{7EE9AFE4-91EA-94D2-BE77-94F2B1ED2C36}"/>
+              </a:ext>
+            </a:extLst>
+          </p:cNvPr>
+          <p:cNvSpPr>
+            <a:spLocks noGrp="1"/>
+          </p:cNvSpPr>
+          <p:nvPr>
+            <p:ph type="title"/>
+          </p:nvPr>
+        </p:nvSpPr>
+        <p:spPr/>
+        <p:txBody>
+          <a:bodyPr/>
+          <a:lstStyle/>
+          <a:p>
+            <a:r>
+              <a:rPr lang="en-US" dirty="0"/>
+              <a:t>Exploratory Data Analysis (contd.)</a:t>
+            </a:r>
+          </a:p>
+        </p:txBody>
+      </p:sp>
+      <p:sp>
+        <p:nvSpPr>
+          <p:cNvPr id="3" name="Content Placeholder 2">
+            <a:extLst>
+              <a:ext uri="{FF2B5EF4-FFF2-40B4-BE49-F238E27FC236}">
+                <a16:creationId xmlns:a16="http://schemas.microsoft.com/office/drawing/2014/main" id="{7F13E6EA-17FA-D1E5-B5D0-3703E4522807}"/>
+              </a:ext>
+            </a:extLst>
+          </p:cNvPr>
+          <p:cNvSpPr>
+            <a:spLocks noGrp="1"/>
+          </p:cNvSpPr>
+          <p:nvPr>
+            <p:ph idx="1"/>
+          </p:nvPr>
+        </p:nvSpPr>
+        <p:spPr>
+          <a:xfrm>
+            <a:off x="533399" y="1987456"/>
+            <a:ext cx="10515600" cy="4351338"/>
+          </a:xfrm>
+        </p:spPr>
+        <p:txBody>
+          <a:bodyPr>
+            <a:normAutofit/>
+          </a:bodyPr>
+          <a:lstStyle/>
+          <a:p>
+            <a:r>
+              <a:rPr lang="en-US" sz="1400" dirty="0">
+                <a:solidFill>
+                  <a:schemeClr val="bg1"/>
+                </a:solidFill>
+              </a:rPr>
+              <a:t>Distribution of Days Since Prior Order</a:t>
+            </a:r>
+          </a:p>
+          <a:p>
+            <a:r>
+              <a:rPr lang="en-US" sz="1400" b="0" i="0" dirty="0">
+                <a:solidFill>
+                  <a:schemeClr val="bg1"/>
+                </a:solidFill>
+                <a:effectLst/>
+                <a:latin typeface="Google Sans"/>
+              </a:rPr>
+              <a:t>Most frequent between 4-8 days</a:t>
+            </a:r>
+            <a:endParaRPr lang="en-US" sz="1400" dirty="0">
+              <a:solidFill>
+                <a:schemeClr val="bg1"/>
+              </a:solidFill>
+            </a:endParaRPr>
+          </a:p>
+        </p:txBody>
+      </p:sp>
+      <p:pic>
+        <p:nvPicPr>
+          <p:cNvPr id="5" name="Picture 4">
+            <a:extLst>
+              <a:ext uri="{FF2B5EF4-FFF2-40B4-BE49-F238E27FC236}">
+                <a16:creationId xmlns:a16="http://schemas.microsoft.com/office/drawing/2014/main" id="{901BFA0F-B92C-722F-9A81-7DAF0C09DE29}"/>
+              </a:ext>
+            </a:extLst>
+          </p:cNvPr>
+          <p:cNvPicPr>
+            <a:picLocks noChangeAspect="1"/>
+          </p:cNvPicPr>
+          <p:nvPr/>
+        </p:nvPicPr>
+        <p:blipFill>
+          <a:blip r:embed="rId2">
+            <a:extLst>
+              <a:ext uri="{28A0092B-C50C-407E-A947-70E740481C1C}">
+                <a14:useLocalDpi xmlns:a14="http://schemas.microsoft.com/office/drawing/2010/main" val="0"/>
+              </a:ext>
+            </a:extLst>
+          </a:blip>
+          <a:stretch>
+            <a:fillRect/>
+          </a:stretch>
+        </p:blipFill>
+        <p:spPr>
+          <a:xfrm>
+            <a:off x="2521782" y="2602523"/>
+            <a:ext cx="7772400" cy="4142936"/>
+          </a:xfrm>
+          <a:prstGeom prst="rect">
+            <a:avLst/>
+          </a:prstGeom>
+        </p:spPr>
+      </p:pic>
+    </p:spTree>
+    <p:extLst>
+      <p:ext uri="{BB962C8B-B14F-4D97-AF65-F5344CB8AC3E}">
+        <p14:creationId xmlns:p14="http://schemas.microsoft.com/office/powerpoint/2010/main" val="3110303252"/>
+      </p:ext>
+    </p:extLst>
+  </p:cSld>
+  <p:clrMapOvr>
+    <a:masterClrMapping/>
+  </p:clrMapOvr>
+</p:sld>
+</file>
+
+<file path=ppt/slides/slide8.xml><?xml version="1.0" encoding="utf-8"?>
+<p:sld xmlns:a="http://schemas.openxmlformats.org/drawingml/2006/main" xmlns:r="http://schemas.openxmlformats.org/officeDocument/2006/relationships" xmlns:p="http://schemas.openxmlformats.org/presentationml/2006/main">
+  <p:cSld>
+    <p:spTree>
+      <p:nvGrpSpPr>
+        <p:cNvPr id="1" name=""/>
+        <p:cNvGrpSpPr/>
+        <p:nvPr/>
+      </p:nvGrpSpPr>
+      <p:grpSpPr>
+        <a:xfrm>
+          <a:off x="0" y="0"/>
+          <a:ext cx="0" cy="0"/>
+          <a:chOff x="0" y="0"/>
+          <a:chExt cx="0" cy="0"/>
+        </a:xfrm>
+      </p:grpSpPr>
+      <p:sp>
+        <p:nvSpPr>
+          <p:cNvPr id="2" name="Title 1">
+            <a:extLst>
+              <a:ext uri="{FF2B5EF4-FFF2-40B4-BE49-F238E27FC236}">
+                <a16:creationId xmlns:a16="http://schemas.microsoft.com/office/drawing/2014/main" id="{8152D375-2025-9E8A-5CDC-FE3C521141BD}"/>
+              </a:ext>
+            </a:extLst>
+          </p:cNvPr>
+          <p:cNvSpPr>
+            <a:spLocks noGrp="1"/>
+          </p:cNvSpPr>
+          <p:nvPr>
+            <p:ph type="title"/>
+          </p:nvPr>
+        </p:nvSpPr>
+        <p:spPr/>
+        <p:txBody>
+          <a:bodyPr>
+            <a:normAutofit/>
+          </a:bodyPr>
+          <a:lstStyle/>
+          <a:p>
+            <a:r>
+              <a:rPr lang="en-US" sz="3200" b="1" dirty="0"/>
+              <a:t>Vegetarian User Analysis</a:t>
+            </a:r>
+          </a:p>
+        </p:txBody>
+      </p:sp>
+      <p:sp>
+        <p:nvSpPr>
+          <p:cNvPr id="3" name="Content Placeholder 2">
+            <a:extLst>
+              <a:ext uri="{FF2B5EF4-FFF2-40B4-BE49-F238E27FC236}">
+                <a16:creationId xmlns:a16="http://schemas.microsoft.com/office/drawing/2014/main" id="{F3717D20-EAA1-23B3-6DD9-0C4F9C53F7BF}"/>
+              </a:ext>
+            </a:extLst>
+          </p:cNvPr>
+          <p:cNvSpPr>
+            <a:spLocks noGrp="1"/>
+          </p:cNvSpPr>
+          <p:nvPr>
+            <p:ph idx="1"/>
+          </p:nvPr>
+        </p:nvSpPr>
+        <p:spPr>
+          <a:xfrm>
+            <a:off x="596153" y="2040779"/>
+            <a:ext cx="10515600" cy="4351338"/>
+          </a:xfrm>
+        </p:spPr>
+        <p:txBody>
+          <a:bodyPr>
+            <a:normAutofit/>
+          </a:bodyPr>
+          <a:lstStyle/>
+          <a:p>
+            <a:r>
+              <a:rPr lang="en-US" sz="1600" dirty="0">
+                <a:solidFill>
+                  <a:schemeClr val="bg1"/>
+                </a:solidFill>
+              </a:rPr>
+              <a:t>Top 20 Products Ordered by Vegetarian Users</a:t>
+            </a:r>
+          </a:p>
+          <a:p>
+            <a:r>
+              <a:rPr lang="en-US" sz="1600" i="0" dirty="0">
+                <a:solidFill>
+                  <a:srgbClr val="1F1F1F"/>
+                </a:solidFill>
+                <a:effectLst/>
+                <a:latin typeface="Google Sans"/>
+              </a:rPr>
+              <a:t>Top 20 Products Re-ordered Weekly by Vegetarian Users</a:t>
+            </a:r>
+            <a:endParaRPr lang="en-US" sz="1600" dirty="0"/>
+          </a:p>
+        </p:txBody>
+      </p:sp>
+      <p:pic>
+        <p:nvPicPr>
+          <p:cNvPr id="19" name="Picture 18">
+            <a:extLst>
+              <a:ext uri="{FF2B5EF4-FFF2-40B4-BE49-F238E27FC236}">
+                <a16:creationId xmlns:a16="http://schemas.microsoft.com/office/drawing/2014/main" id="{22436095-5B28-289E-CCAE-AA88DD4BE684}"/>
+              </a:ext>
+            </a:extLst>
+          </p:cNvPr>
+          <p:cNvPicPr>
+            <a:picLocks noChangeAspect="1"/>
+          </p:cNvPicPr>
+          <p:nvPr/>
+        </p:nvPicPr>
+        <p:blipFill>
+          <a:blip r:embed="rId2">
+            <a:extLst>
+              <a:ext uri="{28A0092B-C50C-407E-A947-70E740481C1C}">
+                <a14:useLocalDpi xmlns:a14="http://schemas.microsoft.com/office/drawing/2010/main" val="0"/>
+              </a:ext>
+            </a:extLst>
+          </a:blip>
+          <a:stretch>
+            <a:fillRect/>
+          </a:stretch>
+        </p:blipFill>
+        <p:spPr>
+          <a:xfrm>
+            <a:off x="6035970" y="2786426"/>
+            <a:ext cx="5797625" cy="3605691"/>
+          </a:xfrm>
+          <a:prstGeom prst="rect">
+            <a:avLst/>
+          </a:prstGeom>
+        </p:spPr>
+      </p:pic>
+      <p:pic>
+        <p:nvPicPr>
+          <p:cNvPr id="21" name="Picture 20">
+            <a:extLst>
+              <a:ext uri="{FF2B5EF4-FFF2-40B4-BE49-F238E27FC236}">
+                <a16:creationId xmlns:a16="http://schemas.microsoft.com/office/drawing/2014/main" id="{F0C2A2C1-1823-4C75-AEDD-02B17F28020A}"/>
+              </a:ext>
+            </a:extLst>
+          </p:cNvPr>
+          <p:cNvPicPr>
+            <a:picLocks noChangeAspect="1"/>
+          </p:cNvPicPr>
+          <p:nvPr/>
+        </p:nvPicPr>
+        <p:blipFill>
+          <a:blip r:embed="rId3">
+            <a:extLst>
+              <a:ext uri="{28A0092B-C50C-407E-A947-70E740481C1C}">
+                <a14:useLocalDpi xmlns:a14="http://schemas.microsoft.com/office/drawing/2010/main" val="0"/>
+              </a:ext>
+            </a:extLst>
+          </a:blip>
+          <a:stretch>
+            <a:fillRect/>
+          </a:stretch>
+        </p:blipFill>
+        <p:spPr>
+          <a:xfrm>
+            <a:off x="358405" y="2786426"/>
+            <a:ext cx="5353078" cy="3572234"/>
+          </a:xfrm>
+          <a:prstGeom prst="rect">
+            <a:avLst/>
+          </a:prstGeom>
+        </p:spPr>
+      </p:pic>
+    </p:spTree>
+    <p:extLst>
+      <p:ext uri="{BB962C8B-B14F-4D97-AF65-F5344CB8AC3E}">
+        <p14:creationId xmlns:p14="http://schemas.microsoft.com/office/powerpoint/2010/main" val="1951576621"/>
+      </p:ext>
+    </p:extLst>
+  </p:cSld>
+  <p:clrMapOvr>
+    <a:masterClrMapping/>
+  </p:clrMapOvr>
+</p:sld>
+</file>
+
+<file path=ppt/slides/slide9.xml><?xml version="1.0" encoding="utf-8"?>
 <p:sld xmlns:a="http://schemas.openxmlformats.org/drawingml/2006/main" xmlns:r="http://schemas.openxmlformats.org/officeDocument/2006/relationships" xmlns:p="http://schemas.openxmlformats.org/presentationml/2006/main">
   <p:cSld>
     <p:bg>
@@ -8079,1927 +10762,6 @@
     <p:extLst>
       <p:ext uri="{BB962C8B-B14F-4D97-AF65-F5344CB8AC3E}">
         <p14:creationId xmlns:p14="http://schemas.microsoft.com/office/powerpoint/2010/main" val="667524762"/>
-      </p:ext>
-    </p:extLst>
-  </p:cSld>
-  <p:clrMapOvr>
-    <a:masterClrMapping/>
-  </p:clrMapOvr>
-</p:sld>
-</file>
-
-<file path=ppt/slides/slide11.xml><?xml version="1.0" encoding="utf-8"?>
-<p:sld xmlns:a="http://schemas.openxmlformats.org/drawingml/2006/main" xmlns:r="http://schemas.openxmlformats.org/officeDocument/2006/relationships" xmlns:p="http://schemas.openxmlformats.org/presentationml/2006/main">
-  <p:cSld>
-    <p:bg>
-      <p:bgPr>
-        <a:gradFill rotWithShape="1">
-          <a:gsLst>
-            <a:gs pos="0">
-              <a:schemeClr val="bg2">
-                <a:tint val="96000"/>
-                <a:shade val="100000"/>
-                <a:hueMod val="270000"/>
-                <a:satMod val="200000"/>
-                <a:lumMod val="128000"/>
-              </a:schemeClr>
-            </a:gs>
-            <a:gs pos="50000">
-              <a:schemeClr val="bg2">
-                <a:shade val="100000"/>
-                <a:hueMod val="100000"/>
-                <a:satMod val="110000"/>
-                <a:lumMod val="130000"/>
-              </a:schemeClr>
-            </a:gs>
-            <a:gs pos="100000">
-              <a:schemeClr val="bg2">
-                <a:shade val="78000"/>
-                <a:hueMod val="44000"/>
-                <a:satMod val="200000"/>
-                <a:lumMod val="69000"/>
-              </a:schemeClr>
-            </a:gs>
-          </a:gsLst>
-          <a:lin ang="2520000" scaled="0"/>
-        </a:gradFill>
-        <a:effectLst/>
-      </p:bgPr>
-    </p:bg>
-    <p:spTree>
-      <p:nvGrpSpPr>
-        <p:cNvPr id="1" name=""/>
-        <p:cNvGrpSpPr/>
-        <p:nvPr/>
-      </p:nvGrpSpPr>
-      <p:grpSpPr>
-        <a:xfrm>
-          <a:off x="0" y="0"/>
-          <a:ext cx="0" cy="0"/>
-          <a:chOff x="0" y="0"/>
-          <a:chExt cx="0" cy="0"/>
-        </a:xfrm>
-      </p:grpSpPr>
-      <p:sp>
-        <p:nvSpPr>
-          <p:cNvPr id="2" name="Title 1">
-            <a:extLst>
-              <a:ext uri="{FF2B5EF4-FFF2-40B4-BE49-F238E27FC236}">
-                <a16:creationId xmlns:a16="http://schemas.microsoft.com/office/drawing/2014/main" id="{A7B32107-B058-D173-AB0B-36CFBA945D18}"/>
-              </a:ext>
-            </a:extLst>
-          </p:cNvPr>
-          <p:cNvSpPr>
-            <a:spLocks noGrp="1"/>
-          </p:cNvSpPr>
-          <p:nvPr>
-            <p:ph type="title"/>
-          </p:nvPr>
-        </p:nvSpPr>
-        <p:spPr>
-          <a:xfrm>
-            <a:off x="680321" y="753228"/>
-            <a:ext cx="9613861" cy="1080938"/>
-          </a:xfrm>
-        </p:spPr>
-        <p:txBody>
-          <a:bodyPr>
-            <a:normAutofit/>
-          </a:bodyPr>
-          <a:lstStyle/>
-          <a:p>
-            <a:r>
-              <a:rPr lang="en-US" dirty="0"/>
-              <a:t>Model Results</a:t>
-            </a:r>
-          </a:p>
-        </p:txBody>
-      </p:sp>
-      <p:sp>
-        <p:nvSpPr>
-          <p:cNvPr id="13" name="Content Placeholder 12">
-            <a:extLst>
-              <a:ext uri="{FF2B5EF4-FFF2-40B4-BE49-F238E27FC236}">
-                <a16:creationId xmlns:a16="http://schemas.microsoft.com/office/drawing/2014/main" id="{AC487A9A-99FF-52A5-2E36-F2AA6A65CE3A}"/>
-              </a:ext>
-            </a:extLst>
-          </p:cNvPr>
-          <p:cNvSpPr>
-            <a:spLocks noGrp="1"/>
-          </p:cNvSpPr>
-          <p:nvPr>
-            <p:ph idx="1"/>
-          </p:nvPr>
-        </p:nvSpPr>
-        <p:spPr>
-          <a:xfrm>
-            <a:off x="680322" y="2336873"/>
-            <a:ext cx="3489341" cy="3599316"/>
-          </a:xfrm>
-        </p:spPr>
-        <p:txBody>
-          <a:bodyPr>
-            <a:normAutofit/>
-          </a:bodyPr>
-          <a:lstStyle/>
-          <a:p>
-            <a:pPr marL="0" indent="0">
-              <a:buNone/>
-            </a:pPr>
-            <a:r>
-              <a:rPr lang="en-US" sz="1800" dirty="0"/>
-              <a:t> </a:t>
-            </a:r>
-          </a:p>
-        </p:txBody>
-      </p:sp>
-      <p:pic>
-        <p:nvPicPr>
-          <p:cNvPr id="9" name="Content Placeholder 8">
-            <a:extLst>
-              <a:ext uri="{FF2B5EF4-FFF2-40B4-BE49-F238E27FC236}">
-                <a16:creationId xmlns:a16="http://schemas.microsoft.com/office/drawing/2014/main" id="{C31A71B7-E0E2-3151-98AD-0ED78AEFE18C}"/>
-              </a:ext>
-            </a:extLst>
-          </p:cNvPr>
-          <p:cNvPicPr>
-            <a:picLocks noChangeAspect="1"/>
-          </p:cNvPicPr>
-          <p:nvPr/>
-        </p:nvPicPr>
-        <p:blipFill>
-          <a:blip r:embed="rId2">
-            <a:extLst>
-              <a:ext uri="{28A0092B-C50C-407E-A947-70E740481C1C}">
-                <a14:useLocalDpi xmlns:a14="http://schemas.microsoft.com/office/drawing/2010/main" val="0"/>
-              </a:ext>
-            </a:extLst>
-          </a:blip>
-          <a:stretch>
-            <a:fillRect/>
-          </a:stretch>
-        </p:blipFill>
-        <p:spPr bwMode="auto">
-          <a:xfrm>
-            <a:off x="1262743" y="2336873"/>
-            <a:ext cx="8922581" cy="3965956"/>
-          </a:xfrm>
-          <a:prstGeom prst="rect">
-            <a:avLst/>
-          </a:prstGeom>
-          <a:noFill/>
-          <a:ln>
-            <a:noFill/>
-          </a:ln>
-          <a:effectLst>
-            <a:outerShdw blurRad="76200" dist="63500" dir="5040000" algn="tl" rotWithShape="0">
-              <a:srgbClr val="000000">
-                <a:alpha val="41000"/>
-              </a:srgbClr>
-            </a:outerShdw>
-          </a:effectLst>
-          <a:extLst>
-            <a:ext uri="{909E8E84-426E-40DD-AFC4-6F175D3DCCD1}">
-              <a14:hiddenFill xmlns:a14="http://schemas.microsoft.com/office/drawing/2010/main">
-                <a:solidFill>
-                  <a:srgbClr val="FFFFFF"/>
-                </a:solidFill>
-              </a14:hiddenFill>
-            </a:ext>
-          </a:extLst>
-        </p:spPr>
-      </p:pic>
-    </p:spTree>
-    <p:extLst>
-      <p:ext uri="{BB962C8B-B14F-4D97-AF65-F5344CB8AC3E}">
-        <p14:creationId xmlns:p14="http://schemas.microsoft.com/office/powerpoint/2010/main" val="2564888455"/>
-      </p:ext>
-    </p:extLst>
-  </p:cSld>
-  <p:clrMapOvr>
-    <a:masterClrMapping/>
-  </p:clrMapOvr>
-</p:sld>
-</file>
-
-<file path=ppt/slides/slide12.xml><?xml version="1.0" encoding="utf-8"?>
-<p:sld xmlns:a="http://schemas.openxmlformats.org/drawingml/2006/main" xmlns:r="http://schemas.openxmlformats.org/officeDocument/2006/relationships" xmlns:p="http://schemas.openxmlformats.org/presentationml/2006/main">
-  <p:cSld>
-    <p:spTree>
-      <p:nvGrpSpPr>
-        <p:cNvPr id="1" name=""/>
-        <p:cNvGrpSpPr/>
-        <p:nvPr/>
-      </p:nvGrpSpPr>
-      <p:grpSpPr>
-        <a:xfrm>
-          <a:off x="0" y="0"/>
-          <a:ext cx="0" cy="0"/>
-          <a:chOff x="0" y="0"/>
-          <a:chExt cx="0" cy="0"/>
-        </a:xfrm>
-      </p:grpSpPr>
-      <p:sp>
-        <p:nvSpPr>
-          <p:cNvPr id="2" name="Title 1">
-            <a:extLst>
-              <a:ext uri="{FF2B5EF4-FFF2-40B4-BE49-F238E27FC236}">
-                <a16:creationId xmlns:a16="http://schemas.microsoft.com/office/drawing/2014/main" id="{FCB28744-9B28-6DEE-DC89-89C10B49D405}"/>
-              </a:ext>
-            </a:extLst>
-          </p:cNvPr>
-          <p:cNvSpPr>
-            <a:spLocks noGrp="1"/>
-          </p:cNvSpPr>
-          <p:nvPr>
-            <p:ph type="title"/>
-          </p:nvPr>
-        </p:nvSpPr>
-        <p:spPr/>
-        <p:txBody>
-          <a:bodyPr/>
-          <a:lstStyle/>
-          <a:p>
-            <a:r>
-              <a:rPr lang="en-US" dirty="0"/>
-              <a:t>Hyperparameter Tuning</a:t>
-            </a:r>
-          </a:p>
-        </p:txBody>
-      </p:sp>
-      <p:sp>
-        <p:nvSpPr>
-          <p:cNvPr id="3" name="Content Placeholder 2">
-            <a:extLst>
-              <a:ext uri="{FF2B5EF4-FFF2-40B4-BE49-F238E27FC236}">
-                <a16:creationId xmlns:a16="http://schemas.microsoft.com/office/drawing/2014/main" id="{3FBA78AD-4602-189A-5CE0-D228ABC00410}"/>
-              </a:ext>
-            </a:extLst>
-          </p:cNvPr>
-          <p:cNvSpPr>
-            <a:spLocks noGrp="1"/>
-          </p:cNvSpPr>
-          <p:nvPr>
-            <p:ph idx="1"/>
-          </p:nvPr>
-        </p:nvSpPr>
-        <p:spPr/>
-        <p:txBody>
-          <a:bodyPr>
-            <a:normAutofit/>
-          </a:bodyPr>
-          <a:lstStyle/>
-          <a:p>
-            <a:r>
-              <a:rPr lang="en-US" sz="2000" b="0" i="0" dirty="0">
-                <a:solidFill>
-                  <a:schemeClr val="bg1"/>
-                </a:solidFill>
-                <a:effectLst/>
-                <a:latin typeface="Google Sans"/>
-              </a:rPr>
-              <a:t>Hyperparameter tuning of XGBoost, Naïve Bayes, Logistic Regression</a:t>
-            </a:r>
-          </a:p>
-          <a:p>
-            <a:r>
-              <a:rPr lang="en-US" sz="2000" b="0" i="0" dirty="0">
-                <a:solidFill>
-                  <a:schemeClr val="bg1"/>
-                </a:solidFill>
-                <a:effectLst/>
-                <a:latin typeface="Google Sans"/>
-              </a:rPr>
-              <a:t>XGBoost improved test accuracy (74% to 76%).</a:t>
-            </a:r>
-          </a:p>
-          <a:p>
-            <a:r>
-              <a:rPr lang="en-US" sz="2000" b="0" i="0" dirty="0">
-                <a:solidFill>
-                  <a:schemeClr val="bg1"/>
-                </a:solidFill>
-                <a:effectLst/>
-                <a:latin typeface="Google Sans"/>
-              </a:rPr>
-              <a:t>Naïve Bayes improved test accuracy (</a:t>
-            </a:r>
-            <a:r>
-              <a:rPr lang="en-US" sz="2000" dirty="0">
-                <a:solidFill>
-                  <a:schemeClr val="bg1"/>
-                </a:solidFill>
-                <a:latin typeface="Google Sans"/>
-              </a:rPr>
-              <a:t>58</a:t>
-            </a:r>
-            <a:r>
-              <a:rPr lang="en-US" sz="2000" b="0" i="0" dirty="0">
-                <a:solidFill>
-                  <a:schemeClr val="bg1"/>
-                </a:solidFill>
-                <a:effectLst/>
-                <a:latin typeface="Google Sans"/>
-              </a:rPr>
-              <a:t>% to 68%)</a:t>
-            </a:r>
-          </a:p>
-          <a:p>
-            <a:r>
-              <a:rPr lang="en-US" sz="2000" dirty="0">
-                <a:solidFill>
-                  <a:schemeClr val="bg1"/>
-                </a:solidFill>
-                <a:latin typeface="Google Sans"/>
-              </a:rPr>
-              <a:t>Logistic regression improved test accuracy (58% to 70%)</a:t>
-            </a:r>
-            <a:endParaRPr lang="en-US" sz="2000" b="0" i="0" dirty="0">
-              <a:solidFill>
-                <a:schemeClr val="bg1"/>
-              </a:solidFill>
-              <a:effectLst/>
-              <a:latin typeface="Google Sans"/>
-            </a:endParaRPr>
-          </a:p>
-          <a:p>
-            <a:pPr marL="0" indent="0">
-              <a:buNone/>
-            </a:pPr>
-            <a:endParaRPr lang="en-US" sz="1400" b="0" i="0" dirty="0">
-              <a:solidFill>
-                <a:schemeClr val="bg1"/>
-              </a:solidFill>
-              <a:effectLst/>
-              <a:latin typeface="Google Sans"/>
-            </a:endParaRPr>
-          </a:p>
-          <a:p>
-            <a:endParaRPr lang="en-US" sz="1400" b="0" i="0" dirty="0">
-              <a:solidFill>
-                <a:srgbClr val="1F1F1F"/>
-              </a:solidFill>
-              <a:effectLst/>
-              <a:highlight>
-                <a:srgbClr val="FFFFFF"/>
-              </a:highlight>
-              <a:latin typeface="Google Sans"/>
-            </a:endParaRPr>
-          </a:p>
-          <a:p>
-            <a:endParaRPr lang="en-US" sz="1400" b="0" i="0" dirty="0">
-              <a:solidFill>
-                <a:srgbClr val="1F1F1F"/>
-              </a:solidFill>
-              <a:effectLst/>
-              <a:highlight>
-                <a:srgbClr val="E9EEF6"/>
-              </a:highlight>
-              <a:latin typeface="Google Sans"/>
-            </a:endParaRPr>
-          </a:p>
-        </p:txBody>
-      </p:sp>
-    </p:spTree>
-    <p:extLst>
-      <p:ext uri="{BB962C8B-B14F-4D97-AF65-F5344CB8AC3E}">
-        <p14:creationId xmlns:p14="http://schemas.microsoft.com/office/powerpoint/2010/main" val="2262504068"/>
-      </p:ext>
-    </p:extLst>
-  </p:cSld>
-  <p:clrMapOvr>
-    <a:masterClrMapping/>
-  </p:clrMapOvr>
-</p:sld>
-</file>
-
-<file path=ppt/slides/slide13.xml><?xml version="1.0" encoding="utf-8"?>
-<p:sld xmlns:a="http://schemas.openxmlformats.org/drawingml/2006/main" xmlns:r="http://schemas.openxmlformats.org/officeDocument/2006/relationships" xmlns:p="http://schemas.openxmlformats.org/presentationml/2006/main">
-  <p:cSld>
-    <p:spTree>
-      <p:nvGrpSpPr>
-        <p:cNvPr id="1" name=""/>
-        <p:cNvGrpSpPr/>
-        <p:nvPr/>
-      </p:nvGrpSpPr>
-      <p:grpSpPr>
-        <a:xfrm>
-          <a:off x="0" y="0"/>
-          <a:ext cx="0" cy="0"/>
-          <a:chOff x="0" y="0"/>
-          <a:chExt cx="0" cy="0"/>
-        </a:xfrm>
-      </p:grpSpPr>
-      <p:sp>
-        <p:nvSpPr>
-          <p:cNvPr id="2" name="Title 1">
-            <a:extLst>
-              <a:ext uri="{FF2B5EF4-FFF2-40B4-BE49-F238E27FC236}">
-                <a16:creationId xmlns:a16="http://schemas.microsoft.com/office/drawing/2014/main" id="{4972E896-2419-0E03-07A9-CA96DDCC29CE}"/>
-              </a:ext>
-            </a:extLst>
-          </p:cNvPr>
-          <p:cNvSpPr>
-            <a:spLocks noGrp="1"/>
-          </p:cNvSpPr>
-          <p:nvPr>
-            <p:ph type="title"/>
-          </p:nvPr>
-        </p:nvSpPr>
-        <p:spPr/>
-        <p:txBody>
-          <a:bodyPr/>
-          <a:lstStyle/>
-          <a:p>
-            <a:r>
-              <a:rPr lang="en-US" dirty="0"/>
-              <a:t>Conclusion</a:t>
-            </a:r>
-          </a:p>
-        </p:txBody>
-      </p:sp>
-      <p:sp>
-        <p:nvSpPr>
-          <p:cNvPr id="3" name="Content Placeholder 2">
-            <a:extLst>
-              <a:ext uri="{FF2B5EF4-FFF2-40B4-BE49-F238E27FC236}">
-                <a16:creationId xmlns:a16="http://schemas.microsoft.com/office/drawing/2014/main" id="{3F9E0E2F-9DF3-4774-AA0C-5CB04CAA3D3E}"/>
-              </a:ext>
-            </a:extLst>
-          </p:cNvPr>
-          <p:cNvSpPr>
-            <a:spLocks noGrp="1"/>
-          </p:cNvSpPr>
-          <p:nvPr>
-            <p:ph idx="1"/>
-          </p:nvPr>
-        </p:nvSpPr>
-        <p:spPr/>
-        <p:txBody>
-          <a:bodyPr>
-            <a:normAutofit/>
-          </a:bodyPr>
-          <a:lstStyle/>
-          <a:p>
-            <a:r>
-              <a:rPr lang="en-US" sz="1600" b="0" i="0" dirty="0">
-                <a:solidFill>
-                  <a:schemeClr val="bg1"/>
-                </a:solidFill>
-                <a:effectLst/>
-                <a:latin typeface="Google Sans"/>
-              </a:rPr>
-              <a:t>Aimed to classify vegetarian users' first-time orders versus re-orders using different ML techniques.</a:t>
-            </a:r>
-          </a:p>
-          <a:p>
-            <a:r>
-              <a:rPr lang="en-US" sz="1600" b="0" i="0" dirty="0">
-                <a:solidFill>
-                  <a:schemeClr val="bg1"/>
-                </a:solidFill>
-                <a:effectLst/>
-                <a:latin typeface="Google Sans"/>
-              </a:rPr>
-              <a:t>Merged and preprocessed four datasets—products, aisles, orders, and departments—and conducted exploratory data analysis to unveil ordering patterns and trends.</a:t>
-            </a:r>
-            <a:endParaRPr lang="en-US" sz="1600" dirty="0">
-              <a:solidFill>
-                <a:schemeClr val="bg1"/>
-              </a:solidFill>
-            </a:endParaRPr>
-          </a:p>
-          <a:p>
-            <a:r>
-              <a:rPr lang="en-US" sz="1600" b="0" i="0" dirty="0">
-                <a:solidFill>
-                  <a:schemeClr val="bg1"/>
-                </a:solidFill>
-                <a:effectLst/>
-                <a:latin typeface="Google Sans"/>
-              </a:rPr>
-              <a:t>Employed various machine learning models, including Stacking Classifier, Random Forest, Logistic Regression, and XGBoost, Naïve Bayes, Decision Tree, achieving accuracies ranging from 64% to 75%.</a:t>
-            </a:r>
-            <a:endParaRPr lang="en-US" sz="1600" dirty="0">
-              <a:solidFill>
-                <a:schemeClr val="bg1"/>
-              </a:solidFill>
-            </a:endParaRPr>
-          </a:p>
-          <a:p>
-            <a:r>
-              <a:rPr lang="en-US" sz="1600" b="0" i="0" dirty="0">
-                <a:solidFill>
-                  <a:schemeClr val="bg1"/>
-                </a:solidFill>
-                <a:effectLst/>
-                <a:latin typeface="Google Sans"/>
-              </a:rPr>
-              <a:t>Tuned XGBoost, resulting in an accuracy improvement from 74% to 76%, Naïve Bayes 63% to 66% and logistic regression 58% to 70%.</a:t>
-            </a:r>
-          </a:p>
-          <a:p>
-            <a:r>
-              <a:rPr lang="en-US" sz="1600" dirty="0">
-                <a:solidFill>
-                  <a:schemeClr val="bg1"/>
-                </a:solidFill>
-                <a:latin typeface="Google Sans"/>
-              </a:rPr>
-              <a:t>T</a:t>
-            </a:r>
-            <a:r>
-              <a:rPr lang="en-US" sz="1600" b="0" i="0" dirty="0">
-                <a:solidFill>
-                  <a:schemeClr val="bg1"/>
-                </a:solidFill>
-                <a:effectLst/>
-                <a:latin typeface="Google Sans"/>
-              </a:rPr>
-              <a:t>he analysis offers actionable insights for understanding user behavior in online food ordering platforms, paving the way for predictive modeling to enhance customer experience and operational efficiency</a:t>
-            </a:r>
-            <a:r>
-              <a:rPr lang="en-US" sz="1600" dirty="0">
-                <a:solidFill>
-                  <a:schemeClr val="bg1"/>
-                </a:solidFill>
-              </a:rPr>
-              <a:t>.</a:t>
-            </a:r>
-          </a:p>
-        </p:txBody>
-      </p:sp>
-    </p:spTree>
-    <p:extLst>
-      <p:ext uri="{BB962C8B-B14F-4D97-AF65-F5344CB8AC3E}">
-        <p14:creationId xmlns:p14="http://schemas.microsoft.com/office/powerpoint/2010/main" val="1922887275"/>
-      </p:ext>
-    </p:extLst>
-  </p:cSld>
-  <p:clrMapOvr>
-    <a:masterClrMapping/>
-  </p:clrMapOvr>
-</p:sld>
-</file>
-
-<file path=ppt/slides/slide2.xml><?xml version="1.0" encoding="utf-8"?>
-<p:sld xmlns:a="http://schemas.openxmlformats.org/drawingml/2006/main" xmlns:r="http://schemas.openxmlformats.org/officeDocument/2006/relationships" xmlns:p="http://schemas.openxmlformats.org/presentationml/2006/main">
-  <p:cSld>
-    <p:spTree>
-      <p:nvGrpSpPr>
-        <p:cNvPr id="1" name=""/>
-        <p:cNvGrpSpPr/>
-        <p:nvPr/>
-      </p:nvGrpSpPr>
-      <p:grpSpPr>
-        <a:xfrm>
-          <a:off x="0" y="0"/>
-          <a:ext cx="0" cy="0"/>
-          <a:chOff x="0" y="0"/>
-          <a:chExt cx="0" cy="0"/>
-        </a:xfrm>
-      </p:grpSpPr>
-      <p:sp>
-        <p:nvSpPr>
-          <p:cNvPr id="2" name="Title 1">
-            <a:extLst>
-              <a:ext uri="{FF2B5EF4-FFF2-40B4-BE49-F238E27FC236}">
-                <a16:creationId xmlns:a16="http://schemas.microsoft.com/office/drawing/2014/main" id="{E821C7FB-CF5D-14C7-89FA-9CE987BB6920}"/>
-              </a:ext>
-            </a:extLst>
-          </p:cNvPr>
-          <p:cNvSpPr>
-            <a:spLocks noGrp="1"/>
-          </p:cNvSpPr>
-          <p:nvPr>
-            <p:ph type="title"/>
-          </p:nvPr>
-        </p:nvSpPr>
-        <p:spPr/>
-        <p:txBody>
-          <a:bodyPr/>
-          <a:lstStyle/>
-          <a:p>
-            <a:r>
-              <a:rPr lang="en-US" dirty="0"/>
-              <a:t>Business Problem</a:t>
-            </a:r>
-          </a:p>
-        </p:txBody>
-      </p:sp>
-      <p:sp>
-        <p:nvSpPr>
-          <p:cNvPr id="3" name="Content Placeholder 2">
-            <a:extLst>
-              <a:ext uri="{FF2B5EF4-FFF2-40B4-BE49-F238E27FC236}">
-                <a16:creationId xmlns:a16="http://schemas.microsoft.com/office/drawing/2014/main" id="{FA1E6676-5DF3-6D7F-AA51-A7075688638E}"/>
-              </a:ext>
-            </a:extLst>
-          </p:cNvPr>
-          <p:cNvSpPr>
-            <a:spLocks noGrp="1"/>
-          </p:cNvSpPr>
-          <p:nvPr>
-            <p:ph idx="1"/>
-          </p:nvPr>
-        </p:nvSpPr>
-        <p:spPr/>
-        <p:txBody>
-          <a:bodyPr/>
-          <a:lstStyle/>
-          <a:p>
-            <a:pPr algn="l">
-              <a:buFont typeface="Arial" panose="020B0604020202020204" pitchFamily="34" charset="0"/>
-              <a:buChar char="•"/>
-            </a:pPr>
-            <a:r>
-              <a:rPr lang="en-US" dirty="0">
-                <a:solidFill>
-                  <a:srgbClr val="1F1F1F"/>
-                </a:solidFill>
-                <a:latin typeface="Google Sans"/>
-              </a:rPr>
-              <a:t>Stakeholder is Instacart and stores </a:t>
-            </a:r>
-            <a:endParaRPr lang="en-US" b="0" i="0" dirty="0">
-              <a:solidFill>
-                <a:srgbClr val="1F1F1F"/>
-              </a:solidFill>
-              <a:effectLst/>
-              <a:latin typeface="Google Sans"/>
-            </a:endParaRPr>
-          </a:p>
-          <a:p>
-            <a:pPr algn="l">
-              <a:buFont typeface="Arial" panose="020B0604020202020204" pitchFamily="34" charset="0"/>
-              <a:buChar char="•"/>
-            </a:pPr>
-            <a:r>
-              <a:rPr lang="en-US" b="0" i="0" dirty="0">
-                <a:solidFill>
-                  <a:srgbClr val="1F1F1F"/>
-                </a:solidFill>
-                <a:effectLst/>
-                <a:latin typeface="Google Sans"/>
-              </a:rPr>
-              <a:t>Understand vegetarian user purchase patterns from Instacart </a:t>
-            </a:r>
-          </a:p>
-          <a:p>
-            <a:pPr algn="l">
-              <a:buFont typeface="Arial" panose="020B0604020202020204" pitchFamily="34" charset="0"/>
-              <a:buChar char="•"/>
-            </a:pPr>
-            <a:r>
-              <a:rPr lang="en-US" b="0" i="0" dirty="0">
-                <a:solidFill>
-                  <a:srgbClr val="1F1F1F"/>
-                </a:solidFill>
-                <a:effectLst/>
-                <a:latin typeface="Google Sans"/>
-              </a:rPr>
-              <a:t>Predict if a new order is a first-time purchase or a re-order</a:t>
-            </a:r>
-          </a:p>
-          <a:p>
-            <a:pPr algn="l">
-              <a:buFont typeface="Arial" panose="020B0604020202020204" pitchFamily="34" charset="0"/>
-              <a:buChar char="•"/>
-            </a:pPr>
-            <a:r>
-              <a:rPr lang="en-US" dirty="0">
-                <a:solidFill>
-                  <a:srgbClr val="1F1F1F"/>
-                </a:solidFill>
-                <a:latin typeface="Google Sans"/>
-              </a:rPr>
-              <a:t>If first time purchase offer them incentives and recommendations</a:t>
-            </a:r>
-          </a:p>
-          <a:p>
-            <a:pPr algn="l">
-              <a:buFont typeface="Arial" panose="020B0604020202020204" pitchFamily="34" charset="0"/>
-              <a:buChar char="•"/>
-            </a:pPr>
-            <a:r>
-              <a:rPr lang="en-US" b="0" i="0" dirty="0">
-                <a:solidFill>
-                  <a:srgbClr val="1F1F1F"/>
-                </a:solidFill>
-                <a:effectLst/>
-                <a:latin typeface="Google Sans"/>
-              </a:rPr>
-              <a:t>If reorder offer incentives and track purchasing habits</a:t>
-            </a:r>
-          </a:p>
-          <a:p>
-            <a:pPr algn="l">
-              <a:buFont typeface="Arial" panose="020B0604020202020204" pitchFamily="34" charset="0"/>
-              <a:buChar char="•"/>
-            </a:pPr>
-            <a:r>
-              <a:rPr lang="en-US" dirty="0">
-                <a:solidFill>
-                  <a:srgbClr val="1F1F1F"/>
-                </a:solidFill>
-                <a:latin typeface="Google Sans"/>
-              </a:rPr>
-              <a:t>Introduce </a:t>
-            </a:r>
-            <a:r>
-              <a:rPr lang="en-US" b="0" i="0" dirty="0">
-                <a:solidFill>
-                  <a:srgbClr val="1F1F1F"/>
-                </a:solidFill>
-                <a:effectLst/>
-                <a:latin typeface="Google Sans"/>
-              </a:rPr>
-              <a:t>product recommendations and promotions for vegetarians</a:t>
-            </a:r>
-          </a:p>
-          <a:p>
-            <a:pPr algn="l">
-              <a:buFont typeface="Arial" panose="020B0604020202020204" pitchFamily="34" charset="0"/>
-              <a:buChar char="•"/>
-            </a:pPr>
-            <a:r>
-              <a:rPr lang="en-US" dirty="0">
-                <a:solidFill>
-                  <a:srgbClr val="1F1F1F"/>
-                </a:solidFill>
-                <a:latin typeface="Google Sans"/>
-              </a:rPr>
-              <a:t>Classification using Supervised Machine Learning</a:t>
-            </a:r>
-            <a:endParaRPr lang="en-US" b="0" i="0" dirty="0">
-              <a:solidFill>
-                <a:srgbClr val="1F1F1F"/>
-              </a:solidFill>
-              <a:effectLst/>
-              <a:latin typeface="Google Sans"/>
-            </a:endParaRPr>
-          </a:p>
-        </p:txBody>
-      </p:sp>
-    </p:spTree>
-    <p:extLst>
-      <p:ext uri="{BB962C8B-B14F-4D97-AF65-F5344CB8AC3E}">
-        <p14:creationId xmlns:p14="http://schemas.microsoft.com/office/powerpoint/2010/main" val="3349124939"/>
-      </p:ext>
-    </p:extLst>
-  </p:cSld>
-  <p:clrMapOvr>
-    <a:masterClrMapping/>
-  </p:clrMapOvr>
-</p:sld>
-</file>
-
-<file path=ppt/slides/slide3.xml><?xml version="1.0" encoding="utf-8"?>
-<p:sld xmlns:a="http://schemas.openxmlformats.org/drawingml/2006/main" xmlns:r="http://schemas.openxmlformats.org/officeDocument/2006/relationships" xmlns:p="http://schemas.openxmlformats.org/presentationml/2006/main">
-  <p:cSld>
-    <p:spTree>
-      <p:nvGrpSpPr>
-        <p:cNvPr id="1" name=""/>
-        <p:cNvGrpSpPr/>
-        <p:nvPr/>
-      </p:nvGrpSpPr>
-      <p:grpSpPr>
-        <a:xfrm>
-          <a:off x="0" y="0"/>
-          <a:ext cx="0" cy="0"/>
-          <a:chOff x="0" y="0"/>
-          <a:chExt cx="0" cy="0"/>
-        </a:xfrm>
-      </p:grpSpPr>
-      <p:sp>
-        <p:nvSpPr>
-          <p:cNvPr id="2" name="Title 1">
-            <a:extLst>
-              <a:ext uri="{FF2B5EF4-FFF2-40B4-BE49-F238E27FC236}">
-                <a16:creationId xmlns:a16="http://schemas.microsoft.com/office/drawing/2014/main" id="{14C3DEA0-610B-55D0-6FC0-C2BB9E8F92EB}"/>
-              </a:ext>
-            </a:extLst>
-          </p:cNvPr>
-          <p:cNvSpPr>
-            <a:spLocks noGrp="1"/>
-          </p:cNvSpPr>
-          <p:nvPr>
-            <p:ph type="title"/>
-          </p:nvPr>
-        </p:nvSpPr>
-        <p:spPr/>
-        <p:txBody>
-          <a:bodyPr/>
-          <a:lstStyle/>
-          <a:p>
-            <a:r>
-              <a:rPr lang="en-US" dirty="0"/>
-              <a:t>Data Understanding</a:t>
-            </a:r>
-          </a:p>
-        </p:txBody>
-      </p:sp>
-      <p:sp>
-        <p:nvSpPr>
-          <p:cNvPr id="3" name="Content Placeholder 2">
-            <a:extLst>
-              <a:ext uri="{FF2B5EF4-FFF2-40B4-BE49-F238E27FC236}">
-                <a16:creationId xmlns:a16="http://schemas.microsoft.com/office/drawing/2014/main" id="{9AA0384A-99D8-637A-344F-50595E7C6A85}"/>
-              </a:ext>
-            </a:extLst>
-          </p:cNvPr>
-          <p:cNvSpPr>
-            <a:spLocks noGrp="1"/>
-          </p:cNvSpPr>
-          <p:nvPr>
-            <p:ph idx="1"/>
-          </p:nvPr>
-        </p:nvSpPr>
-        <p:spPr/>
-        <p:txBody>
-          <a:bodyPr>
-            <a:normAutofit/>
-          </a:bodyPr>
-          <a:lstStyle/>
-          <a:p>
-            <a:pPr rtl="0">
-              <a:spcBef>
-                <a:spcPts val="0"/>
-              </a:spcBef>
-              <a:spcAft>
-                <a:spcPts val="0"/>
-              </a:spcAft>
-            </a:pPr>
-            <a:r>
-              <a:rPr lang="en-US" sz="1800" dirty="0">
-                <a:solidFill>
-                  <a:schemeClr val="bg1"/>
-                </a:solidFill>
-              </a:rPr>
-              <a:t>Data Source :</a:t>
-            </a:r>
-            <a:r>
-              <a:rPr lang="en-US" sz="1800" b="0" i="0" u="sng" strike="noStrike" dirty="0">
-                <a:solidFill>
-                  <a:schemeClr val="bg1"/>
-                </a:solidFill>
-                <a:effectLst/>
-                <a:latin typeface="Arial" panose="020B0604020202020204" pitchFamily="34" charset="0"/>
-                <a:hlinkClick r:id="rId2">
-                  <a:extLst>
-                    <a:ext uri="{A12FA001-AC4F-418D-AE19-62706E023703}">
-                      <ahyp:hlinkClr xmlns:ahyp="http://schemas.microsoft.com/office/drawing/2018/hyperlinkcolor" val="tx"/>
-                    </a:ext>
-                  </a:extLst>
-                </a:hlinkClick>
-              </a:rPr>
-              <a:t>https://www.kaggle.com/datasets/psparks/instacart-market-basket-analysi</a:t>
-            </a:r>
-            <a:r>
-              <a:rPr lang="en-US" sz="1800" b="0" i="0" u="sng" strike="noStrike" dirty="0">
-                <a:solidFill>
-                  <a:schemeClr val="bg1"/>
-                </a:solidFill>
-                <a:effectLst/>
-                <a:latin typeface="Arial" panose="020B0604020202020204" pitchFamily="34" charset="0"/>
-              </a:rPr>
-              <a:t>s </a:t>
-            </a:r>
-            <a:r>
-              <a:rPr lang="en-US" sz="1800" b="0" i="0" u="none" strike="noStrike" dirty="0">
-                <a:solidFill>
-                  <a:schemeClr val="bg1"/>
-                </a:solidFill>
-                <a:effectLst/>
-                <a:latin typeface="Arial" panose="020B0604020202020204" pitchFamily="34" charset="0"/>
-              </a:rPr>
-              <a:t> </a:t>
-            </a:r>
-          </a:p>
-          <a:p>
-            <a:pPr rtl="0">
-              <a:spcBef>
-                <a:spcPts val="0"/>
-              </a:spcBef>
-              <a:spcAft>
-                <a:spcPts val="0"/>
-              </a:spcAft>
-            </a:pPr>
-            <a:endParaRPr lang="en-US" sz="1800" b="0" i="0" u="none" strike="noStrike" dirty="0">
-              <a:solidFill>
-                <a:schemeClr val="bg1"/>
-              </a:solidFill>
-              <a:effectLst/>
-              <a:latin typeface="Söhne"/>
-            </a:endParaRPr>
-          </a:p>
-          <a:p>
-            <a:pPr rtl="0">
-              <a:spcBef>
-                <a:spcPts val="0"/>
-              </a:spcBef>
-              <a:spcAft>
-                <a:spcPts val="0"/>
-              </a:spcAft>
-            </a:pPr>
-            <a:r>
-              <a:rPr lang="en-US" sz="1800" b="0" i="0" u="none" strike="noStrike" dirty="0">
-                <a:solidFill>
-                  <a:schemeClr val="bg1"/>
-                </a:solidFill>
-                <a:effectLst/>
-                <a:latin typeface="Söhne"/>
-              </a:rPr>
-              <a:t>Publicly available on Kaggle</a:t>
-            </a:r>
-          </a:p>
-          <a:p>
-            <a:pPr>
-              <a:buFont typeface="Arial" panose="020B0604020202020204" pitchFamily="34" charset="0"/>
-              <a:buChar char="•"/>
-            </a:pPr>
-            <a:r>
-              <a:rPr lang="en-US" sz="1800" b="0" i="0" u="none" strike="noStrike" dirty="0">
-                <a:solidFill>
-                  <a:schemeClr val="bg1"/>
-                </a:solidFill>
-                <a:effectLst/>
-                <a:latin typeface="Söhne"/>
-              </a:rPr>
-              <a:t>Contains over 5 million instances of orders made via Instacart grocery shopping app</a:t>
-            </a:r>
-          </a:p>
-          <a:p>
-            <a:pPr>
-              <a:buFont typeface="Arial" panose="020B0604020202020204" pitchFamily="34" charset="0"/>
-              <a:buChar char="•"/>
-            </a:pPr>
-            <a:r>
-              <a:rPr lang="en-US" sz="1800" b="0" i="0" u="none" strike="noStrike" dirty="0">
-                <a:solidFill>
-                  <a:schemeClr val="bg1"/>
-                </a:solidFill>
-                <a:effectLst/>
-                <a:latin typeface="Söhne"/>
-              </a:rPr>
-              <a:t>Includes information on products, store aisles, and departments</a:t>
-            </a:r>
-          </a:p>
-          <a:p>
-            <a:pPr>
-              <a:buFont typeface="Arial" panose="020B0604020202020204" pitchFamily="34" charset="0"/>
-              <a:buChar char="•"/>
-            </a:pPr>
-            <a:r>
-              <a:rPr lang="en-US" sz="1800" b="0" i="0" u="none" strike="noStrike" dirty="0">
-                <a:solidFill>
-                  <a:schemeClr val="bg1"/>
-                </a:solidFill>
-                <a:effectLst/>
-                <a:latin typeface="Söhne"/>
-              </a:rPr>
-              <a:t>Indicates the frequency of order placements</a:t>
-            </a:r>
-          </a:p>
-          <a:p>
-            <a:pPr>
-              <a:buFont typeface="Arial" panose="020B0604020202020204" pitchFamily="34" charset="0"/>
-              <a:buChar char="•"/>
-            </a:pPr>
-            <a:r>
-              <a:rPr lang="en-US" sz="1800" b="0" i="0" u="none" strike="noStrike" dirty="0">
-                <a:solidFill>
-                  <a:schemeClr val="bg1"/>
-                </a:solidFill>
-                <a:effectLst/>
-                <a:latin typeface="Söhne"/>
-              </a:rPr>
-              <a:t>Specifies whether orders were reordered or not</a:t>
-            </a:r>
-          </a:p>
-          <a:p>
-            <a:pPr marL="0" indent="0">
-              <a:buNone/>
-            </a:pPr>
-            <a:endParaRPr lang="en-US" dirty="0"/>
-          </a:p>
-        </p:txBody>
-      </p:sp>
-    </p:spTree>
-    <p:extLst>
-      <p:ext uri="{BB962C8B-B14F-4D97-AF65-F5344CB8AC3E}">
-        <p14:creationId xmlns:p14="http://schemas.microsoft.com/office/powerpoint/2010/main" val="3721812028"/>
-      </p:ext>
-    </p:extLst>
-  </p:cSld>
-  <p:clrMapOvr>
-    <a:masterClrMapping/>
-  </p:clrMapOvr>
-</p:sld>
-</file>
-
-<file path=ppt/slides/slide4.xml><?xml version="1.0" encoding="utf-8"?>
-<p:sld xmlns:a="http://schemas.openxmlformats.org/drawingml/2006/main" xmlns:r="http://schemas.openxmlformats.org/officeDocument/2006/relationships" xmlns:p="http://schemas.openxmlformats.org/presentationml/2006/main">
-  <p:cSld>
-    <p:spTree>
-      <p:nvGrpSpPr>
-        <p:cNvPr id="1" name=""/>
-        <p:cNvGrpSpPr/>
-        <p:nvPr/>
-      </p:nvGrpSpPr>
-      <p:grpSpPr>
-        <a:xfrm>
-          <a:off x="0" y="0"/>
-          <a:ext cx="0" cy="0"/>
-          <a:chOff x="0" y="0"/>
-          <a:chExt cx="0" cy="0"/>
-        </a:xfrm>
-      </p:grpSpPr>
-      <p:sp>
-        <p:nvSpPr>
-          <p:cNvPr id="2" name="Title 1">
-            <a:extLst>
-              <a:ext uri="{FF2B5EF4-FFF2-40B4-BE49-F238E27FC236}">
-                <a16:creationId xmlns:a16="http://schemas.microsoft.com/office/drawing/2014/main" id="{CE0A5A13-BC55-85CC-4CEF-241B3FE67036}"/>
-              </a:ext>
-            </a:extLst>
-          </p:cNvPr>
-          <p:cNvSpPr>
-            <a:spLocks noGrp="1"/>
-          </p:cNvSpPr>
-          <p:nvPr>
-            <p:ph type="title"/>
-          </p:nvPr>
-        </p:nvSpPr>
-        <p:spPr/>
-        <p:txBody>
-          <a:bodyPr/>
-          <a:lstStyle/>
-          <a:p>
-            <a:r>
-              <a:rPr lang="en-US" dirty="0"/>
-              <a:t>Data Exploration and Cleaning</a:t>
-            </a:r>
-          </a:p>
-        </p:txBody>
-      </p:sp>
-      <p:sp>
-        <p:nvSpPr>
-          <p:cNvPr id="3" name="Content Placeholder 2">
-            <a:extLst>
-              <a:ext uri="{FF2B5EF4-FFF2-40B4-BE49-F238E27FC236}">
-                <a16:creationId xmlns:a16="http://schemas.microsoft.com/office/drawing/2014/main" id="{135C8963-D66A-CA51-1CB5-5F1C626587B3}"/>
-              </a:ext>
-            </a:extLst>
-          </p:cNvPr>
-          <p:cNvSpPr>
-            <a:spLocks noGrp="1"/>
-          </p:cNvSpPr>
-          <p:nvPr>
-            <p:ph idx="1"/>
-          </p:nvPr>
-        </p:nvSpPr>
-        <p:spPr/>
-        <p:txBody>
-          <a:bodyPr/>
-          <a:lstStyle/>
-          <a:p>
-            <a:pPr algn="l">
-              <a:buFont typeface="Arial" panose="020B0604020202020204" pitchFamily="34" charset="0"/>
-              <a:buChar char="•"/>
-            </a:pPr>
-            <a:r>
-              <a:rPr lang="en-US" b="0" i="0" dirty="0">
-                <a:solidFill>
-                  <a:srgbClr val="1F1F1F"/>
-                </a:solidFill>
-                <a:effectLst/>
-                <a:latin typeface="Google Sans"/>
-              </a:rPr>
-              <a:t>Merged four datasets (products, aisles, orders, departments)</a:t>
-            </a:r>
-          </a:p>
-          <a:p>
-            <a:pPr algn="l">
-              <a:buFont typeface="Arial" panose="020B0604020202020204" pitchFamily="34" charset="0"/>
-              <a:buChar char="•"/>
-            </a:pPr>
-            <a:r>
-              <a:rPr lang="en-US" b="0" i="0" dirty="0">
-                <a:solidFill>
-                  <a:srgbClr val="1F1F1F"/>
-                </a:solidFill>
-                <a:effectLst/>
-                <a:latin typeface="Google Sans"/>
-              </a:rPr>
-              <a:t>Filtered data for food-related orders</a:t>
-            </a:r>
-          </a:p>
-          <a:p>
-            <a:pPr algn="l">
-              <a:buFont typeface="Arial" panose="020B0604020202020204" pitchFamily="34" charset="0"/>
-              <a:buChar char="•"/>
-            </a:pPr>
-            <a:r>
-              <a:rPr lang="en-US" b="0" i="0" dirty="0">
-                <a:solidFill>
-                  <a:srgbClr val="1F1F1F"/>
-                </a:solidFill>
-                <a:effectLst/>
-                <a:latin typeface="Google Sans"/>
-              </a:rPr>
-              <a:t>Handled missing values in "</a:t>
-            </a:r>
-            <a:r>
-              <a:rPr lang="en-US" b="0" i="0" dirty="0" err="1">
-                <a:solidFill>
-                  <a:srgbClr val="1F1F1F"/>
-                </a:solidFill>
-                <a:effectLst/>
-                <a:latin typeface="Google Sans"/>
-              </a:rPr>
-              <a:t>days_since_prior_order</a:t>
-            </a:r>
-            <a:r>
-              <a:rPr lang="en-US" b="0" i="0" dirty="0">
-                <a:solidFill>
-                  <a:srgbClr val="1F1F1F"/>
-                </a:solidFill>
-                <a:effectLst/>
-                <a:latin typeface="Google Sans"/>
-              </a:rPr>
-              <a:t>“</a:t>
-            </a:r>
-          </a:p>
-          <a:p>
-            <a:pPr algn="l">
-              <a:buFont typeface="Arial" panose="020B0604020202020204" pitchFamily="34" charset="0"/>
-              <a:buChar char="•"/>
-            </a:pPr>
-            <a:r>
-              <a:rPr lang="en-US" dirty="0">
-                <a:solidFill>
-                  <a:srgbClr val="1F1F1F"/>
-                </a:solidFill>
-                <a:latin typeface="Google Sans"/>
-              </a:rPr>
-              <a:t>Used pandas “</a:t>
-            </a:r>
-            <a:r>
-              <a:rPr lang="en-US" dirty="0" err="1">
-                <a:solidFill>
-                  <a:srgbClr val="1F1F1F"/>
-                </a:solidFill>
-                <a:latin typeface="Google Sans"/>
-              </a:rPr>
-              <a:t>fillna</a:t>
-            </a:r>
-            <a:r>
-              <a:rPr lang="en-US" dirty="0">
-                <a:solidFill>
-                  <a:srgbClr val="1F1F1F"/>
-                </a:solidFill>
-                <a:latin typeface="Google Sans"/>
-              </a:rPr>
-              <a:t>()” method to replace </a:t>
-            </a:r>
-            <a:r>
-              <a:rPr lang="en-US" dirty="0" err="1">
-                <a:solidFill>
-                  <a:srgbClr val="1F1F1F"/>
-                </a:solidFill>
-                <a:latin typeface="Google Sans"/>
-              </a:rPr>
-              <a:t>NaNs</a:t>
-            </a:r>
-            <a:r>
-              <a:rPr lang="en-US" dirty="0">
-                <a:solidFill>
-                  <a:srgbClr val="1F1F1F"/>
-                </a:solidFill>
-                <a:latin typeface="Google Sans"/>
-              </a:rPr>
-              <a:t> with 0.</a:t>
-            </a:r>
-          </a:p>
-          <a:p>
-            <a:r>
-              <a:rPr lang="en-US" dirty="0">
-                <a:solidFill>
-                  <a:srgbClr val="1F1F1F"/>
-                </a:solidFill>
-                <a:latin typeface="Google Sans"/>
-              </a:rPr>
-              <a:t>Slightly imbalanced data (More re-orders than first-time orders)</a:t>
-            </a:r>
-          </a:p>
-        </p:txBody>
-      </p:sp>
-    </p:spTree>
-    <p:extLst>
-      <p:ext uri="{BB962C8B-B14F-4D97-AF65-F5344CB8AC3E}">
-        <p14:creationId xmlns:p14="http://schemas.microsoft.com/office/powerpoint/2010/main" val="1209562967"/>
-      </p:ext>
-    </p:extLst>
-  </p:cSld>
-  <p:clrMapOvr>
-    <a:masterClrMapping/>
-  </p:clrMapOvr>
-</p:sld>
-</file>
-
-<file path=ppt/slides/slide5.xml><?xml version="1.0" encoding="utf-8"?>
-<p:sld xmlns:a="http://schemas.openxmlformats.org/drawingml/2006/main" xmlns:r="http://schemas.openxmlformats.org/officeDocument/2006/relationships" xmlns:p="http://schemas.openxmlformats.org/presentationml/2006/main">
-  <p:cSld>
-    <p:spTree>
-      <p:nvGrpSpPr>
-        <p:cNvPr id="1" name=""/>
-        <p:cNvGrpSpPr/>
-        <p:nvPr/>
-      </p:nvGrpSpPr>
-      <p:grpSpPr>
-        <a:xfrm>
-          <a:off x="0" y="0"/>
-          <a:ext cx="0" cy="0"/>
-          <a:chOff x="0" y="0"/>
-          <a:chExt cx="0" cy="0"/>
-        </a:xfrm>
-      </p:grpSpPr>
-      <p:sp>
-        <p:nvSpPr>
-          <p:cNvPr id="2" name="Title 1">
-            <a:extLst>
-              <a:ext uri="{FF2B5EF4-FFF2-40B4-BE49-F238E27FC236}">
-                <a16:creationId xmlns:a16="http://schemas.microsoft.com/office/drawing/2014/main" id="{C815B269-A915-8F8A-46AE-C9C824701BF5}"/>
-              </a:ext>
-            </a:extLst>
-          </p:cNvPr>
-          <p:cNvSpPr>
-            <a:spLocks noGrp="1"/>
-          </p:cNvSpPr>
-          <p:nvPr>
-            <p:ph type="title"/>
-          </p:nvPr>
-        </p:nvSpPr>
-        <p:spPr/>
-        <p:txBody>
-          <a:bodyPr/>
-          <a:lstStyle/>
-          <a:p>
-            <a:r>
-              <a:rPr lang="en-US" dirty="0"/>
-              <a:t>Exploratory Data Analysis</a:t>
-            </a:r>
-          </a:p>
-        </p:txBody>
-      </p:sp>
-      <p:sp>
-        <p:nvSpPr>
-          <p:cNvPr id="3" name="Content Placeholder 2">
-            <a:extLst>
-              <a:ext uri="{FF2B5EF4-FFF2-40B4-BE49-F238E27FC236}">
-                <a16:creationId xmlns:a16="http://schemas.microsoft.com/office/drawing/2014/main" id="{77CEAF28-1950-247E-1148-A5FD399599A0}"/>
-              </a:ext>
-            </a:extLst>
-          </p:cNvPr>
-          <p:cNvSpPr>
-            <a:spLocks noGrp="1"/>
-          </p:cNvSpPr>
-          <p:nvPr>
-            <p:ph idx="1"/>
-          </p:nvPr>
-        </p:nvSpPr>
-        <p:spPr>
-          <a:xfrm>
-            <a:off x="680321" y="2130685"/>
-            <a:ext cx="9613861" cy="3599316"/>
-          </a:xfrm>
-        </p:spPr>
-        <p:txBody>
-          <a:bodyPr/>
-          <a:lstStyle/>
-          <a:p>
-            <a:r>
-              <a:rPr lang="en-US" b="0" i="0" dirty="0">
-                <a:solidFill>
-                  <a:srgbClr val="1F1F1F"/>
-                </a:solidFill>
-                <a:effectLst/>
-                <a:latin typeface="Google Sans"/>
-              </a:rPr>
-              <a:t>Top 10 Most Ordered Products</a:t>
-            </a:r>
-          </a:p>
-          <a:p>
-            <a:endParaRPr lang="en-US" dirty="0"/>
-          </a:p>
-        </p:txBody>
-      </p:sp>
-      <p:pic>
-        <p:nvPicPr>
-          <p:cNvPr id="6" name="Picture 5">
-            <a:extLst>
-              <a:ext uri="{FF2B5EF4-FFF2-40B4-BE49-F238E27FC236}">
-                <a16:creationId xmlns:a16="http://schemas.microsoft.com/office/drawing/2014/main" id="{E6918F12-8F43-3051-A147-94E3C7A81748}"/>
-              </a:ext>
-            </a:extLst>
-          </p:cNvPr>
-          <p:cNvPicPr>
-            <a:picLocks noChangeAspect="1"/>
-          </p:cNvPicPr>
-          <p:nvPr/>
-        </p:nvPicPr>
-        <p:blipFill>
-          <a:blip r:embed="rId2"/>
-          <a:stretch>
-            <a:fillRect/>
-          </a:stretch>
-        </p:blipFill>
-        <p:spPr>
-          <a:xfrm>
-            <a:off x="2456473" y="2623567"/>
-            <a:ext cx="7279054" cy="3481205"/>
-          </a:xfrm>
-          <a:prstGeom prst="rect">
-            <a:avLst/>
-          </a:prstGeom>
-        </p:spPr>
-      </p:pic>
-    </p:spTree>
-    <p:extLst>
-      <p:ext uri="{BB962C8B-B14F-4D97-AF65-F5344CB8AC3E}">
-        <p14:creationId xmlns:p14="http://schemas.microsoft.com/office/powerpoint/2010/main" val="3862031187"/>
-      </p:ext>
-    </p:extLst>
-  </p:cSld>
-  <p:clrMapOvr>
-    <a:masterClrMapping/>
-  </p:clrMapOvr>
-</p:sld>
-</file>
-
-<file path=ppt/slides/slide6.xml><?xml version="1.0" encoding="utf-8"?>
-<p:sld xmlns:a="http://schemas.openxmlformats.org/drawingml/2006/main" xmlns:r="http://schemas.openxmlformats.org/officeDocument/2006/relationships" xmlns:p="http://schemas.openxmlformats.org/presentationml/2006/main">
-  <p:cSld>
-    <p:spTree>
-      <p:nvGrpSpPr>
-        <p:cNvPr id="1" name=""/>
-        <p:cNvGrpSpPr/>
-        <p:nvPr/>
-      </p:nvGrpSpPr>
-      <p:grpSpPr>
-        <a:xfrm>
-          <a:off x="0" y="0"/>
-          <a:ext cx="0" cy="0"/>
-          <a:chOff x="0" y="0"/>
-          <a:chExt cx="0" cy="0"/>
-        </a:xfrm>
-      </p:grpSpPr>
-      <p:sp>
-        <p:nvSpPr>
-          <p:cNvPr id="2" name="Title 1">
-            <a:extLst>
-              <a:ext uri="{FF2B5EF4-FFF2-40B4-BE49-F238E27FC236}">
-                <a16:creationId xmlns:a16="http://schemas.microsoft.com/office/drawing/2014/main" id="{B9EB4153-7911-5DF6-01F9-95893E85630E}"/>
-              </a:ext>
-            </a:extLst>
-          </p:cNvPr>
-          <p:cNvSpPr>
-            <a:spLocks noGrp="1"/>
-          </p:cNvSpPr>
-          <p:nvPr>
-            <p:ph type="title"/>
-          </p:nvPr>
-        </p:nvSpPr>
-        <p:spPr/>
-        <p:txBody>
-          <a:bodyPr/>
-          <a:lstStyle/>
-          <a:p>
-            <a:r>
-              <a:rPr lang="en-US" dirty="0"/>
-              <a:t>Exploratory Data Analysis (contd.)</a:t>
-            </a:r>
-          </a:p>
-        </p:txBody>
-      </p:sp>
-      <p:sp>
-        <p:nvSpPr>
-          <p:cNvPr id="3" name="Content Placeholder 2">
-            <a:extLst>
-              <a:ext uri="{FF2B5EF4-FFF2-40B4-BE49-F238E27FC236}">
-                <a16:creationId xmlns:a16="http://schemas.microsoft.com/office/drawing/2014/main" id="{032676CF-1604-5E54-A5FF-735CB4C2C3E6}"/>
-              </a:ext>
-            </a:extLst>
-          </p:cNvPr>
-          <p:cNvSpPr>
-            <a:spLocks noGrp="1"/>
-          </p:cNvSpPr>
-          <p:nvPr>
-            <p:ph idx="1"/>
-          </p:nvPr>
-        </p:nvSpPr>
-        <p:spPr>
-          <a:xfrm>
-            <a:off x="680321" y="2041038"/>
-            <a:ext cx="9613861" cy="3599316"/>
-          </a:xfrm>
-        </p:spPr>
-        <p:txBody>
-          <a:bodyPr/>
-          <a:lstStyle/>
-          <a:p>
-            <a:r>
-              <a:rPr lang="en-US" dirty="0">
-                <a:solidFill>
-                  <a:schemeClr val="bg1"/>
-                </a:solidFill>
-              </a:rPr>
-              <a:t>First Time Order vs. Re-order of Products</a:t>
-            </a:r>
-          </a:p>
-          <a:p>
-            <a:endParaRPr lang="en-US" dirty="0"/>
-          </a:p>
-        </p:txBody>
-      </p:sp>
-      <p:pic>
-        <p:nvPicPr>
-          <p:cNvPr id="5" name="Picture 4">
-            <a:extLst>
-              <a:ext uri="{FF2B5EF4-FFF2-40B4-BE49-F238E27FC236}">
-                <a16:creationId xmlns:a16="http://schemas.microsoft.com/office/drawing/2014/main" id="{174624ED-D134-BB64-2035-A3D08D1C356D}"/>
-              </a:ext>
-            </a:extLst>
-          </p:cNvPr>
-          <p:cNvPicPr>
-            <a:picLocks noChangeAspect="1"/>
-          </p:cNvPicPr>
-          <p:nvPr/>
-        </p:nvPicPr>
-        <p:blipFill>
-          <a:blip r:embed="rId2"/>
-          <a:stretch>
-            <a:fillRect/>
-          </a:stretch>
-        </p:blipFill>
-        <p:spPr>
-          <a:xfrm>
-            <a:off x="3037354" y="2541983"/>
-            <a:ext cx="6117291" cy="3499412"/>
-          </a:xfrm>
-          <a:prstGeom prst="rect">
-            <a:avLst/>
-          </a:prstGeom>
-        </p:spPr>
-      </p:pic>
-    </p:spTree>
-    <p:extLst>
-      <p:ext uri="{BB962C8B-B14F-4D97-AF65-F5344CB8AC3E}">
-        <p14:creationId xmlns:p14="http://schemas.microsoft.com/office/powerpoint/2010/main" val="2709800206"/>
-      </p:ext>
-    </p:extLst>
-  </p:cSld>
-  <p:clrMapOvr>
-    <a:masterClrMapping/>
-  </p:clrMapOvr>
-</p:sld>
-</file>
-
-<file path=ppt/slides/slide7.xml><?xml version="1.0" encoding="utf-8"?>
-<p:sld xmlns:a="http://schemas.openxmlformats.org/drawingml/2006/main" xmlns:r="http://schemas.openxmlformats.org/officeDocument/2006/relationships" xmlns:p="http://schemas.openxmlformats.org/presentationml/2006/main">
-  <p:cSld>
-    <p:spTree>
-      <p:nvGrpSpPr>
-        <p:cNvPr id="1" name=""/>
-        <p:cNvGrpSpPr/>
-        <p:nvPr/>
-      </p:nvGrpSpPr>
-      <p:grpSpPr>
-        <a:xfrm>
-          <a:off x="0" y="0"/>
-          <a:ext cx="0" cy="0"/>
-          <a:chOff x="0" y="0"/>
-          <a:chExt cx="0" cy="0"/>
-        </a:xfrm>
-      </p:grpSpPr>
-      <p:sp>
-        <p:nvSpPr>
-          <p:cNvPr id="2" name="Title 1">
-            <a:extLst>
-              <a:ext uri="{FF2B5EF4-FFF2-40B4-BE49-F238E27FC236}">
-                <a16:creationId xmlns:a16="http://schemas.microsoft.com/office/drawing/2014/main" id="{7EE9AFE4-91EA-94D2-BE77-94F2B1ED2C36}"/>
-              </a:ext>
-            </a:extLst>
-          </p:cNvPr>
-          <p:cNvSpPr>
-            <a:spLocks noGrp="1"/>
-          </p:cNvSpPr>
-          <p:nvPr>
-            <p:ph type="title"/>
-          </p:nvPr>
-        </p:nvSpPr>
-        <p:spPr/>
-        <p:txBody>
-          <a:bodyPr/>
-          <a:lstStyle/>
-          <a:p>
-            <a:r>
-              <a:rPr lang="en-US" dirty="0"/>
-              <a:t>Exploratory Data Analysis (contd.)</a:t>
-            </a:r>
-          </a:p>
-        </p:txBody>
-      </p:sp>
-      <p:sp>
-        <p:nvSpPr>
-          <p:cNvPr id="3" name="Content Placeholder 2">
-            <a:extLst>
-              <a:ext uri="{FF2B5EF4-FFF2-40B4-BE49-F238E27FC236}">
-                <a16:creationId xmlns:a16="http://schemas.microsoft.com/office/drawing/2014/main" id="{7F13E6EA-17FA-D1E5-B5D0-3703E4522807}"/>
-              </a:ext>
-            </a:extLst>
-          </p:cNvPr>
-          <p:cNvSpPr>
-            <a:spLocks noGrp="1"/>
-          </p:cNvSpPr>
-          <p:nvPr>
-            <p:ph idx="1"/>
-          </p:nvPr>
-        </p:nvSpPr>
-        <p:spPr>
-          <a:xfrm>
-            <a:off x="680320" y="2032073"/>
-            <a:ext cx="9613861" cy="3599316"/>
-          </a:xfrm>
-        </p:spPr>
-        <p:txBody>
-          <a:bodyPr>
-            <a:normAutofit/>
-          </a:bodyPr>
-          <a:lstStyle/>
-          <a:p>
-            <a:r>
-              <a:rPr lang="en-US" sz="1600" dirty="0">
-                <a:solidFill>
-                  <a:schemeClr val="bg1"/>
-                </a:solidFill>
-              </a:rPr>
-              <a:t>Distribution of Days Since Prior Order</a:t>
-            </a:r>
-          </a:p>
-        </p:txBody>
-      </p:sp>
-      <p:pic>
-        <p:nvPicPr>
-          <p:cNvPr id="6" name="Picture 5">
-            <a:extLst>
-              <a:ext uri="{FF2B5EF4-FFF2-40B4-BE49-F238E27FC236}">
-                <a16:creationId xmlns:a16="http://schemas.microsoft.com/office/drawing/2014/main" id="{861980D1-B7A6-D871-E159-ABF3E6E1455F}"/>
-              </a:ext>
-            </a:extLst>
-          </p:cNvPr>
-          <p:cNvPicPr>
-            <a:picLocks noChangeAspect="1"/>
-          </p:cNvPicPr>
-          <p:nvPr/>
-        </p:nvPicPr>
-        <p:blipFill>
-          <a:blip r:embed="rId2"/>
-          <a:stretch>
-            <a:fillRect/>
-          </a:stretch>
-        </p:blipFill>
-        <p:spPr>
-          <a:xfrm>
-            <a:off x="2354071" y="2505455"/>
-            <a:ext cx="7483858" cy="3733979"/>
-          </a:xfrm>
-          <a:prstGeom prst="rect">
-            <a:avLst/>
-          </a:prstGeom>
-        </p:spPr>
-      </p:pic>
-    </p:spTree>
-    <p:extLst>
-      <p:ext uri="{BB962C8B-B14F-4D97-AF65-F5344CB8AC3E}">
-        <p14:creationId xmlns:p14="http://schemas.microsoft.com/office/powerpoint/2010/main" val="1326438213"/>
-      </p:ext>
-    </p:extLst>
-  </p:cSld>
-  <p:clrMapOvr>
-    <a:masterClrMapping/>
-  </p:clrMapOvr>
-</p:sld>
-</file>
-
-<file path=ppt/slides/slide8.xml><?xml version="1.0" encoding="utf-8"?>
-<p:sld xmlns:a="http://schemas.openxmlformats.org/drawingml/2006/main" xmlns:r="http://schemas.openxmlformats.org/officeDocument/2006/relationships" xmlns:p="http://schemas.openxmlformats.org/presentationml/2006/main">
-  <p:cSld>
-    <p:spTree>
-      <p:nvGrpSpPr>
-        <p:cNvPr id="1" name=""/>
-        <p:cNvGrpSpPr/>
-        <p:nvPr/>
-      </p:nvGrpSpPr>
-      <p:grpSpPr>
-        <a:xfrm>
-          <a:off x="0" y="0"/>
-          <a:ext cx="0" cy="0"/>
-          <a:chOff x="0" y="0"/>
-          <a:chExt cx="0" cy="0"/>
-        </a:xfrm>
-      </p:grpSpPr>
-      <p:sp>
-        <p:nvSpPr>
-          <p:cNvPr id="2" name="Title 1">
-            <a:extLst>
-              <a:ext uri="{FF2B5EF4-FFF2-40B4-BE49-F238E27FC236}">
-                <a16:creationId xmlns:a16="http://schemas.microsoft.com/office/drawing/2014/main" id="{7EE9AFE4-91EA-94D2-BE77-94F2B1ED2C36}"/>
-              </a:ext>
-            </a:extLst>
-          </p:cNvPr>
-          <p:cNvSpPr>
-            <a:spLocks noGrp="1"/>
-          </p:cNvSpPr>
-          <p:nvPr>
-            <p:ph type="title"/>
-          </p:nvPr>
-        </p:nvSpPr>
-        <p:spPr/>
-        <p:txBody>
-          <a:bodyPr/>
-          <a:lstStyle/>
-          <a:p>
-            <a:r>
-              <a:rPr lang="en-US" dirty="0"/>
-              <a:t>Exploratory Data Analysis (contd.)</a:t>
-            </a:r>
-          </a:p>
-        </p:txBody>
-      </p:sp>
-      <p:sp>
-        <p:nvSpPr>
-          <p:cNvPr id="3" name="Content Placeholder 2">
-            <a:extLst>
-              <a:ext uri="{FF2B5EF4-FFF2-40B4-BE49-F238E27FC236}">
-                <a16:creationId xmlns:a16="http://schemas.microsoft.com/office/drawing/2014/main" id="{7F13E6EA-17FA-D1E5-B5D0-3703E4522807}"/>
-              </a:ext>
-            </a:extLst>
-          </p:cNvPr>
-          <p:cNvSpPr>
-            <a:spLocks noGrp="1"/>
-          </p:cNvSpPr>
-          <p:nvPr>
-            <p:ph idx="1"/>
-          </p:nvPr>
-        </p:nvSpPr>
-        <p:spPr>
-          <a:xfrm>
-            <a:off x="533399" y="1987456"/>
-            <a:ext cx="10515600" cy="4351338"/>
-          </a:xfrm>
-        </p:spPr>
-        <p:txBody>
-          <a:bodyPr>
-            <a:normAutofit/>
-          </a:bodyPr>
-          <a:lstStyle/>
-          <a:p>
-            <a:r>
-              <a:rPr lang="en-US" sz="1400" dirty="0">
-                <a:solidFill>
-                  <a:schemeClr val="bg1"/>
-                </a:solidFill>
-              </a:rPr>
-              <a:t>Distribution of Days Since Prior Order</a:t>
-            </a:r>
-          </a:p>
-          <a:p>
-            <a:r>
-              <a:rPr lang="en-US" sz="1400" b="0" i="0" dirty="0">
-                <a:solidFill>
-                  <a:schemeClr val="bg1"/>
-                </a:solidFill>
-                <a:effectLst/>
-                <a:latin typeface="Google Sans"/>
-              </a:rPr>
-              <a:t>Most frequent between 4-8 days</a:t>
-            </a:r>
-            <a:endParaRPr lang="en-US" sz="1400" dirty="0">
-              <a:solidFill>
-                <a:schemeClr val="bg1"/>
-              </a:solidFill>
-            </a:endParaRPr>
-          </a:p>
-        </p:txBody>
-      </p:sp>
-      <p:pic>
-        <p:nvPicPr>
-          <p:cNvPr id="6" name="Picture 5">
-            <a:extLst>
-              <a:ext uri="{FF2B5EF4-FFF2-40B4-BE49-F238E27FC236}">
-                <a16:creationId xmlns:a16="http://schemas.microsoft.com/office/drawing/2014/main" id="{861980D1-B7A6-D871-E159-ABF3E6E1455F}"/>
-              </a:ext>
-            </a:extLst>
-          </p:cNvPr>
-          <p:cNvPicPr>
-            <a:picLocks noChangeAspect="1"/>
-          </p:cNvPicPr>
-          <p:nvPr/>
-        </p:nvPicPr>
-        <p:blipFill>
-          <a:blip r:embed="rId2"/>
-          <a:stretch>
-            <a:fillRect/>
-          </a:stretch>
-        </p:blipFill>
-        <p:spPr>
-          <a:xfrm>
-            <a:off x="3578588" y="2277782"/>
-            <a:ext cx="6003009" cy="4061012"/>
-          </a:xfrm>
-          <a:prstGeom prst="rect">
-            <a:avLst/>
-          </a:prstGeom>
-        </p:spPr>
-      </p:pic>
-    </p:spTree>
-    <p:extLst>
-      <p:ext uri="{BB962C8B-B14F-4D97-AF65-F5344CB8AC3E}">
-        <p14:creationId xmlns:p14="http://schemas.microsoft.com/office/powerpoint/2010/main" val="3110303252"/>
-      </p:ext>
-    </p:extLst>
-  </p:cSld>
-  <p:clrMapOvr>
-    <a:masterClrMapping/>
-  </p:clrMapOvr>
-</p:sld>
-</file>
-
-<file path=ppt/slides/slide9.xml><?xml version="1.0" encoding="utf-8"?>
-<p:sld xmlns:a="http://schemas.openxmlformats.org/drawingml/2006/main" xmlns:r="http://schemas.openxmlformats.org/officeDocument/2006/relationships" xmlns:p="http://schemas.openxmlformats.org/presentationml/2006/main">
-  <p:cSld>
-    <p:spTree>
-      <p:nvGrpSpPr>
-        <p:cNvPr id="1" name=""/>
-        <p:cNvGrpSpPr/>
-        <p:nvPr/>
-      </p:nvGrpSpPr>
-      <p:grpSpPr>
-        <a:xfrm>
-          <a:off x="0" y="0"/>
-          <a:ext cx="0" cy="0"/>
-          <a:chOff x="0" y="0"/>
-          <a:chExt cx="0" cy="0"/>
-        </a:xfrm>
-      </p:grpSpPr>
-      <p:sp>
-        <p:nvSpPr>
-          <p:cNvPr id="2" name="Title 1">
-            <a:extLst>
-              <a:ext uri="{FF2B5EF4-FFF2-40B4-BE49-F238E27FC236}">
-                <a16:creationId xmlns:a16="http://schemas.microsoft.com/office/drawing/2014/main" id="{8152D375-2025-9E8A-5CDC-FE3C521141BD}"/>
-              </a:ext>
-            </a:extLst>
-          </p:cNvPr>
-          <p:cNvSpPr>
-            <a:spLocks noGrp="1"/>
-          </p:cNvSpPr>
-          <p:nvPr>
-            <p:ph type="title"/>
-          </p:nvPr>
-        </p:nvSpPr>
-        <p:spPr/>
-        <p:txBody>
-          <a:bodyPr>
-            <a:normAutofit/>
-          </a:bodyPr>
-          <a:lstStyle/>
-          <a:p>
-            <a:r>
-              <a:rPr lang="en-US" sz="3200" b="1" dirty="0"/>
-              <a:t>Vegetarian User Analysis</a:t>
-            </a:r>
-          </a:p>
-        </p:txBody>
-      </p:sp>
-      <p:sp>
-        <p:nvSpPr>
-          <p:cNvPr id="3" name="Content Placeholder 2">
-            <a:extLst>
-              <a:ext uri="{FF2B5EF4-FFF2-40B4-BE49-F238E27FC236}">
-                <a16:creationId xmlns:a16="http://schemas.microsoft.com/office/drawing/2014/main" id="{F3717D20-EAA1-23B3-6DD9-0C4F9C53F7BF}"/>
-              </a:ext>
-            </a:extLst>
-          </p:cNvPr>
-          <p:cNvSpPr>
-            <a:spLocks noGrp="1"/>
-          </p:cNvSpPr>
-          <p:nvPr>
-            <p:ph idx="1"/>
-          </p:nvPr>
-        </p:nvSpPr>
-        <p:spPr>
-          <a:xfrm>
-            <a:off x="596153" y="2040779"/>
-            <a:ext cx="10515600" cy="4351338"/>
-          </a:xfrm>
-        </p:spPr>
-        <p:txBody>
-          <a:bodyPr>
-            <a:normAutofit/>
-          </a:bodyPr>
-          <a:lstStyle/>
-          <a:p>
-            <a:r>
-              <a:rPr lang="en-US" sz="1600" dirty="0">
-                <a:solidFill>
-                  <a:schemeClr val="bg1"/>
-                </a:solidFill>
-              </a:rPr>
-              <a:t>Top 10 Products Ordered by Vegetarian Users</a:t>
-            </a:r>
-          </a:p>
-          <a:p>
-            <a:r>
-              <a:rPr lang="en-US" sz="1600" b="0" i="0" dirty="0">
-                <a:solidFill>
-                  <a:srgbClr val="1F1F1F"/>
-                </a:solidFill>
-                <a:effectLst/>
-                <a:latin typeface="Google Sans"/>
-              </a:rPr>
-              <a:t>Top 20 Products Re-ordered Weekly by Vegetarian Users</a:t>
-            </a:r>
-            <a:endParaRPr lang="en-US" sz="1600" dirty="0"/>
-          </a:p>
-        </p:txBody>
-      </p:sp>
-      <p:pic>
-        <p:nvPicPr>
-          <p:cNvPr id="6" name="Picture 5">
-            <a:extLst>
-              <a:ext uri="{FF2B5EF4-FFF2-40B4-BE49-F238E27FC236}">
-                <a16:creationId xmlns:a16="http://schemas.microsoft.com/office/drawing/2014/main" id="{61E0BDD2-5B3E-E439-CF2E-5C4D947AAE70}"/>
-              </a:ext>
-            </a:extLst>
-          </p:cNvPr>
-          <p:cNvPicPr>
-            <a:picLocks noChangeAspect="1"/>
-          </p:cNvPicPr>
-          <p:nvPr/>
-        </p:nvPicPr>
-        <p:blipFill>
-          <a:blip r:embed="rId2"/>
-          <a:stretch>
-            <a:fillRect/>
-          </a:stretch>
-        </p:blipFill>
-        <p:spPr>
-          <a:xfrm>
-            <a:off x="715022" y="2745200"/>
-            <a:ext cx="4750357" cy="3449412"/>
-          </a:xfrm>
-          <a:prstGeom prst="rect">
-            <a:avLst/>
-          </a:prstGeom>
-        </p:spPr>
-      </p:pic>
-      <p:pic>
-        <p:nvPicPr>
-          <p:cNvPr id="8" name="Picture 7">
-            <a:extLst>
-              <a:ext uri="{FF2B5EF4-FFF2-40B4-BE49-F238E27FC236}">
-                <a16:creationId xmlns:a16="http://schemas.microsoft.com/office/drawing/2014/main" id="{82040EEE-4753-46BE-00F3-A0FF246D41E6}"/>
-              </a:ext>
-            </a:extLst>
-          </p:cNvPr>
-          <p:cNvPicPr>
-            <a:picLocks noChangeAspect="1"/>
-          </p:cNvPicPr>
-          <p:nvPr/>
-        </p:nvPicPr>
-        <p:blipFill>
-          <a:blip r:embed="rId3"/>
-          <a:stretch>
-            <a:fillRect/>
-          </a:stretch>
-        </p:blipFill>
-        <p:spPr>
-          <a:xfrm>
-            <a:off x="5584248" y="2771791"/>
-            <a:ext cx="5058823" cy="3396230"/>
-          </a:xfrm>
-          <a:prstGeom prst="rect">
-            <a:avLst/>
-          </a:prstGeom>
-        </p:spPr>
-      </p:pic>
-    </p:spTree>
-    <p:extLst>
-      <p:ext uri="{BB962C8B-B14F-4D97-AF65-F5344CB8AC3E}">
-        <p14:creationId xmlns:p14="http://schemas.microsoft.com/office/powerpoint/2010/main" val="1951576621"/>
       </p:ext>
     </p:extLst>
   </p:cSld>
@@ -10261,4 +11023,319 @@
     </a:ext>
   </a:extLst>
 </a:theme>
+</file>
+
+<file path=ppt/theme/theme2.xml><?xml version="1.0" encoding="utf-8"?>
+<a:theme xmlns:a="http://schemas.openxmlformats.org/drawingml/2006/main" name="Office Theme">
+  <a:themeElements>
+    <a:clrScheme name="Office">
+      <a:dk1>
+        <a:sysClr val="windowText" lastClr="000000"/>
+      </a:dk1>
+      <a:lt1>
+        <a:sysClr val="window" lastClr="FFFFFF"/>
+      </a:lt1>
+      <a:dk2>
+        <a:srgbClr val="0E2841"/>
+      </a:dk2>
+      <a:lt2>
+        <a:srgbClr val="E8E8E8"/>
+      </a:lt2>
+      <a:accent1>
+        <a:srgbClr val="156082"/>
+      </a:accent1>
+      <a:accent2>
+        <a:srgbClr val="E97132"/>
+      </a:accent2>
+      <a:accent3>
+        <a:srgbClr val="196B24"/>
+      </a:accent3>
+      <a:accent4>
+        <a:srgbClr val="0F9ED5"/>
+      </a:accent4>
+      <a:accent5>
+        <a:srgbClr val="A02B93"/>
+      </a:accent5>
+      <a:accent6>
+        <a:srgbClr val="4EA72E"/>
+      </a:accent6>
+      <a:hlink>
+        <a:srgbClr val="467886"/>
+      </a:hlink>
+      <a:folHlink>
+        <a:srgbClr val="96607D"/>
+      </a:folHlink>
+    </a:clrScheme>
+    <a:fontScheme name="Office">
+      <a:majorFont>
+        <a:latin typeface="Aptos Display" panose="02110004020202020204"/>
+        <a:ea typeface=""/>
+        <a:cs typeface=""/>
+        <a:font script="Jpan" typeface="游ゴシック Light"/>
+        <a:font script="Hang" typeface="맑은 고딕"/>
+        <a:font script="Hans" typeface="等线 Light"/>
+        <a:font script="Hant" typeface="新細明體"/>
+        <a:font script="Arab" typeface="Times New Roman"/>
+        <a:font script="Hebr" typeface="Times New Roman"/>
+        <a:font script="Thai" typeface="Angsana New"/>
+        <a:font script="Ethi" typeface="Nyala"/>
+        <a:font script="Beng" typeface="Vrinda"/>
+        <a:font script="Gujr" typeface="Shruti"/>
+        <a:font script="Khmr" typeface="MoolBoran"/>
+        <a:font script="Knda" typeface="Tunga"/>
+        <a:font script="Guru" typeface="Raavi"/>
+        <a:font script="Cans" typeface="Euphemia"/>
+        <a:font script="Cher" typeface="Plantagenet Cherokee"/>
+        <a:font script="Yiii" typeface="Microsoft Yi Baiti"/>
+        <a:font script="Tibt" typeface="Microsoft Himalaya"/>
+        <a:font script="Thaa" typeface="MV Boli"/>
+        <a:font script="Deva" typeface="Mangal"/>
+        <a:font script="Telu" typeface="Gautami"/>
+        <a:font script="Taml" typeface="Latha"/>
+        <a:font script="Syrc" typeface="Estrangelo Edessa"/>
+        <a:font script="Orya" typeface="Kalinga"/>
+        <a:font script="Mlym" typeface="Kartika"/>
+        <a:font script="Laoo" typeface="DokChampa"/>
+        <a:font script="Sinh" typeface="Iskoola Pota"/>
+        <a:font script="Mong" typeface="Mongolian Baiti"/>
+        <a:font script="Viet" typeface="Times New Roman"/>
+        <a:font script="Uigh" typeface="Microsoft Uighur"/>
+        <a:font script="Geor" typeface="Sylfaen"/>
+        <a:font script="Armn" typeface="Arial"/>
+        <a:font script="Bugi" typeface="Leelawadee UI"/>
+        <a:font script="Bopo" typeface="Microsoft JhengHei"/>
+        <a:font script="Java" typeface="Javanese Text"/>
+        <a:font script="Lisu" typeface="Segoe UI"/>
+        <a:font script="Mymr" typeface="Myanmar Text"/>
+        <a:font script="Nkoo" typeface="Ebrima"/>
+        <a:font script="Olck" typeface="Nirmala UI"/>
+        <a:font script="Osma" typeface="Ebrima"/>
+        <a:font script="Phag" typeface="Phagspa"/>
+        <a:font script="Syrn" typeface="Estrangelo Edessa"/>
+        <a:font script="Syrj" typeface="Estrangelo Edessa"/>
+        <a:font script="Syre" typeface="Estrangelo Edessa"/>
+        <a:font script="Sora" typeface="Nirmala UI"/>
+        <a:font script="Tale" typeface="Microsoft Tai Le"/>
+        <a:font script="Talu" typeface="Microsoft New Tai Lue"/>
+        <a:font script="Tfng" typeface="Ebrima"/>
+      </a:majorFont>
+      <a:minorFont>
+        <a:latin typeface="Aptos" panose="02110004020202020204"/>
+        <a:ea typeface=""/>
+        <a:cs typeface=""/>
+        <a:font script="Jpan" typeface="游ゴシック"/>
+        <a:font script="Hang" typeface="맑은 고딕"/>
+        <a:font script="Hans" typeface="等线"/>
+        <a:font script="Hant" typeface="新細明體"/>
+        <a:font script="Arab" typeface="Arial"/>
+        <a:font script="Hebr" typeface="Arial"/>
+        <a:font script="Thai" typeface="Cordia New"/>
+        <a:font script="Ethi" typeface="Nyala"/>
+        <a:font script="Beng" typeface="Vrinda"/>
+        <a:font script="Gujr" typeface="Shruti"/>
+        <a:font script="Khmr" typeface="DaunPenh"/>
+        <a:font script="Knda" typeface="Tunga"/>
+        <a:font script="Guru" typeface="Raavi"/>
+        <a:font script="Cans" typeface="Euphemia"/>
+        <a:font script="Cher" typeface="Plantagenet Cherokee"/>
+        <a:font script="Yiii" typeface="Microsoft Yi Baiti"/>
+        <a:font script="Tibt" typeface="Microsoft Himalaya"/>
+        <a:font script="Thaa" typeface="MV Boli"/>
+        <a:font script="Deva" typeface="Mangal"/>
+        <a:font script="Telu" typeface="Gautami"/>
+        <a:font script="Taml" typeface="Latha"/>
+        <a:font script="Syrc" typeface="Estrangelo Edessa"/>
+        <a:font script="Orya" typeface="Kalinga"/>
+        <a:font script="Mlym" typeface="Kartika"/>
+        <a:font script="Laoo" typeface="DokChampa"/>
+        <a:font script="Sinh" typeface="Iskoola Pota"/>
+        <a:font script="Mong" typeface="Mongolian Baiti"/>
+        <a:font script="Viet" typeface="Arial"/>
+        <a:font script="Uigh" typeface="Microsoft Uighur"/>
+        <a:font script="Geor" typeface="Sylfaen"/>
+        <a:font script="Armn" typeface="Arial"/>
+        <a:font script="Bugi" typeface="Leelawadee UI"/>
+        <a:font script="Bopo" typeface="Microsoft JhengHei"/>
+        <a:font script="Java" typeface="Javanese Text"/>
+        <a:font script="Lisu" typeface="Segoe UI"/>
+        <a:font script="Mymr" typeface="Myanmar Text"/>
+        <a:font script="Nkoo" typeface="Ebrima"/>
+        <a:font script="Olck" typeface="Nirmala UI"/>
+        <a:font script="Osma" typeface="Ebrima"/>
+        <a:font script="Phag" typeface="Phagspa"/>
+        <a:font script="Syrn" typeface="Estrangelo Edessa"/>
+        <a:font script="Syrj" typeface="Estrangelo Edessa"/>
+        <a:font script="Syre" typeface="Estrangelo Edessa"/>
+        <a:font script="Sora" typeface="Nirmala UI"/>
+        <a:font script="Tale" typeface="Microsoft Tai Le"/>
+        <a:font script="Talu" typeface="Microsoft New Tai Lue"/>
+        <a:font script="Tfng" typeface="Ebrima"/>
+      </a:minorFont>
+    </a:fontScheme>
+    <a:fmtScheme name="Office">
+      <a:fillStyleLst>
+        <a:solidFill>
+          <a:schemeClr val="phClr"/>
+        </a:solidFill>
+        <a:gradFill rotWithShape="1">
+          <a:gsLst>
+            <a:gs pos="0">
+              <a:schemeClr val="phClr">
+                <a:lumMod val="110000"/>
+                <a:satMod val="105000"/>
+                <a:tint val="67000"/>
+              </a:schemeClr>
+            </a:gs>
+            <a:gs pos="50000">
+              <a:schemeClr val="phClr">
+                <a:lumMod val="105000"/>
+                <a:satMod val="103000"/>
+                <a:tint val="73000"/>
+              </a:schemeClr>
+            </a:gs>
+            <a:gs pos="100000">
+              <a:schemeClr val="phClr">
+                <a:lumMod val="105000"/>
+                <a:satMod val="109000"/>
+                <a:tint val="81000"/>
+              </a:schemeClr>
+            </a:gs>
+          </a:gsLst>
+          <a:lin ang="5400000" scaled="0"/>
+        </a:gradFill>
+        <a:gradFill rotWithShape="1">
+          <a:gsLst>
+            <a:gs pos="0">
+              <a:schemeClr val="phClr">
+                <a:satMod val="103000"/>
+                <a:lumMod val="102000"/>
+                <a:tint val="94000"/>
+              </a:schemeClr>
+            </a:gs>
+            <a:gs pos="50000">
+              <a:schemeClr val="phClr">
+                <a:satMod val="110000"/>
+                <a:lumMod val="100000"/>
+                <a:shade val="100000"/>
+              </a:schemeClr>
+            </a:gs>
+            <a:gs pos="100000">
+              <a:schemeClr val="phClr">
+                <a:lumMod val="99000"/>
+                <a:satMod val="120000"/>
+                <a:shade val="78000"/>
+              </a:schemeClr>
+            </a:gs>
+          </a:gsLst>
+          <a:lin ang="5400000" scaled="0"/>
+        </a:gradFill>
+      </a:fillStyleLst>
+      <a:lnStyleLst>
+        <a:ln w="12700" cap="flat" cmpd="sng" algn="ctr">
+          <a:solidFill>
+            <a:schemeClr val="phClr"/>
+          </a:solidFill>
+          <a:prstDash val="solid"/>
+          <a:miter lim="800000"/>
+        </a:ln>
+        <a:ln w="19050" cap="flat" cmpd="sng" algn="ctr">
+          <a:solidFill>
+            <a:schemeClr val="phClr"/>
+          </a:solidFill>
+          <a:prstDash val="solid"/>
+          <a:miter lim="800000"/>
+        </a:ln>
+        <a:ln w="25400" cap="flat" cmpd="sng" algn="ctr">
+          <a:solidFill>
+            <a:schemeClr val="phClr"/>
+          </a:solidFill>
+          <a:prstDash val="solid"/>
+          <a:miter lim="800000"/>
+        </a:ln>
+      </a:lnStyleLst>
+      <a:effectStyleLst>
+        <a:effectStyle>
+          <a:effectLst/>
+        </a:effectStyle>
+        <a:effectStyle>
+          <a:effectLst/>
+        </a:effectStyle>
+        <a:effectStyle>
+          <a:effectLst>
+            <a:outerShdw blurRad="57150" dist="19050" dir="5400000" algn="ctr" rotWithShape="0">
+              <a:srgbClr val="000000">
+                <a:alpha val="63000"/>
+              </a:srgbClr>
+            </a:outerShdw>
+          </a:effectLst>
+        </a:effectStyle>
+      </a:effectStyleLst>
+      <a:bgFillStyleLst>
+        <a:solidFill>
+          <a:schemeClr val="phClr"/>
+        </a:solidFill>
+        <a:solidFill>
+          <a:schemeClr val="phClr">
+            <a:tint val="95000"/>
+            <a:satMod val="170000"/>
+          </a:schemeClr>
+        </a:solidFill>
+        <a:gradFill rotWithShape="1">
+          <a:gsLst>
+            <a:gs pos="0">
+              <a:schemeClr val="phClr">
+                <a:tint val="93000"/>
+                <a:satMod val="150000"/>
+                <a:shade val="98000"/>
+                <a:lumMod val="102000"/>
+              </a:schemeClr>
+            </a:gs>
+            <a:gs pos="50000">
+              <a:schemeClr val="phClr">
+                <a:tint val="98000"/>
+                <a:satMod val="130000"/>
+                <a:shade val="90000"/>
+                <a:lumMod val="103000"/>
+              </a:schemeClr>
+            </a:gs>
+            <a:gs pos="100000">
+              <a:schemeClr val="phClr">
+                <a:shade val="63000"/>
+                <a:satMod val="120000"/>
+              </a:schemeClr>
+            </a:gs>
+          </a:gsLst>
+          <a:lin ang="5400000" scaled="0"/>
+        </a:gradFill>
+      </a:bgFillStyleLst>
+    </a:fmtScheme>
+  </a:themeElements>
+  <a:objectDefaults>
+    <a:lnDef>
+      <a:spPr/>
+      <a:bodyPr/>
+      <a:lstStyle/>
+      <a:style>
+        <a:lnRef idx="2">
+          <a:schemeClr val="accent1"/>
+        </a:lnRef>
+        <a:fillRef idx="0">
+          <a:schemeClr val="accent1"/>
+        </a:fillRef>
+        <a:effectRef idx="1">
+          <a:schemeClr val="accent1"/>
+        </a:effectRef>
+        <a:fontRef idx="minor">
+          <a:schemeClr val="tx1"/>
+        </a:fontRef>
+      </a:style>
+    </a:lnDef>
+  </a:objectDefaults>
+  <a:extraClrSchemeLst/>
+  <a:extLst>
+    <a:ext uri="{05A4C25C-085E-4340-85A3-A5531E510DB2}">
+      <thm15:themeFamily xmlns:thm15="http://schemas.microsoft.com/office/thememl/2012/main" name="Office Theme" id="{2E142A2C-CD16-42D6-873A-C26D2A0506FA}" vid="{1BDDFF52-6CD6-40A5-AB3C-68EB2F1E4D0A}"/>
+    </a:ext>
+  </a:extLst>
+</a:theme>
 </file>